--- a/ppt/감귤 PPT.pptx
+++ b/ppt/감귤 PPT.pptx
@@ -9,9 +9,13 @@
     <p:sldId id="257" r:id="rId3"/>
     <p:sldId id="263" r:id="rId4"/>
     <p:sldId id="264" r:id="rId5"/>
-    <p:sldId id="258" r:id="rId6"/>
-    <p:sldId id="259" r:id="rId7"/>
-    <p:sldId id="262" r:id="rId8"/>
+    <p:sldId id="267" r:id="rId6"/>
+    <p:sldId id="258" r:id="rId7"/>
+    <p:sldId id="265" r:id="rId8"/>
+    <p:sldId id="266" r:id="rId9"/>
+    <p:sldId id="268" r:id="rId10"/>
+    <p:sldId id="259" r:id="rId11"/>
+    <p:sldId id="262" r:id="rId12"/>
   </p:sldIdLst>
   <p:sldSz cx="12192000" cy="6858000"/>
   <p:notesSz cx="6858000" cy="9144000"/>
@@ -3014,8 +3018,8 @@
         </p:nvSpPr>
         <p:spPr>
           <a:xfrm>
-            <a:off x="971649" y="4937206"/>
-            <a:ext cx="8861721" cy="1107996"/>
+            <a:off x="7599344" y="4991998"/>
+            <a:ext cx="3570208" cy="1107996"/>
           </a:xfrm>
           <a:prstGeom prst="rect">
             <a:avLst/>
@@ -3029,7 +3033,7 @@
           <a:lstStyle/>
           <a:p>
             <a:r>
-              <a:rPr kumimoji="1" lang="en-US" altLang="ko-KR" sz="6600" dirty="0">
+              <a:rPr kumimoji="1" lang="ko-KR" altLang="en-US" sz="6600">
                 <a:solidFill>
                   <a:srgbClr val="768149"/>
                 </a:solidFill>
@@ -3037,7 +3041,7 @@
                 <a:ea typeface="Giddyup Std" charset="0"/>
                 <a:cs typeface="Giddyup Std" charset="0"/>
               </a:rPr>
-              <a:t>Mandarin Theme PPT Template</a:t>
+              <a:t>제주감귤</a:t>
             </a:r>
             <a:endParaRPr kumimoji="1" lang="ko-KR" altLang="en-US" sz="6600" dirty="0">
               <a:solidFill>
@@ -3121,6 +3125,667 @@
     <p:extLst>
       <p:ext uri="{BB962C8B-B14F-4D97-AF65-F5344CB8AC3E}">
         <p14:creationId xmlns:p14="http://schemas.microsoft.com/office/powerpoint/2010/main" val="181351636"/>
+      </p:ext>
+    </p:extLst>
+  </p:cSld>
+  <p:clrMapOvr>
+    <a:masterClrMapping/>
+  </p:clrMapOvr>
+  <mc:AlternateContent xmlns:mc="http://schemas.openxmlformats.org/markup-compatibility/2006" xmlns:p14="http://schemas.microsoft.com/office/powerpoint/2010/main">
+    <mc:Choice Requires="p14">
+      <p:transition spd="med" p14:dur="700">
+        <p:fade/>
+      </p:transition>
+    </mc:Choice>
+    <mc:Fallback xmlns="">
+      <p:transition spd="med">
+        <p:fade/>
+      </p:transition>
+    </mc:Fallback>
+  </mc:AlternateContent>
+</p:sld>
+</file>
+
+<file path=ppt/slides/slide10.xml><?xml version="1.0" encoding="utf-8"?>
+<p:sld xmlns:a="http://schemas.openxmlformats.org/drawingml/2006/main" xmlns:r="http://schemas.openxmlformats.org/officeDocument/2006/relationships" xmlns:p="http://schemas.openxmlformats.org/presentationml/2006/main">
+  <p:cSld>
+    <p:spTree>
+      <p:nvGrpSpPr>
+        <p:cNvPr id="1" name=""/>
+        <p:cNvGrpSpPr/>
+        <p:nvPr/>
+      </p:nvGrpSpPr>
+      <p:grpSpPr>
+        <a:xfrm>
+          <a:off x="0" y="0"/>
+          <a:ext cx="0" cy="0"/>
+          <a:chOff x="0" y="0"/>
+          <a:chExt cx="0" cy="0"/>
+        </a:xfrm>
+      </p:grpSpPr>
+      <p:sp>
+        <p:nvSpPr>
+          <p:cNvPr id="2" name="TextBox 1"/>
+          <p:cNvSpPr txBox="1"/>
+          <p:nvPr/>
+        </p:nvSpPr>
+        <p:spPr>
+          <a:xfrm>
+            <a:off x="134333" y="235965"/>
+            <a:ext cx="2943434" cy="1015663"/>
+          </a:xfrm>
+          <a:prstGeom prst="rect">
+            <a:avLst/>
+          </a:prstGeom>
+          <a:noFill/>
+        </p:spPr>
+        <p:txBody>
+          <a:bodyPr wrap="none" rtlCol="0">
+            <a:spAutoFit/>
+          </a:bodyPr>
+          <a:lstStyle/>
+          <a:p>
+            <a:r>
+              <a:rPr kumimoji="1" lang="en-US" altLang="ko-KR" sz="6000" dirty="0">
+                <a:solidFill>
+                  <a:srgbClr val="768149"/>
+                </a:solidFill>
+                <a:latin typeface="Giddyup Std" charset="0"/>
+                <a:ea typeface="Giddyup Std" charset="0"/>
+                <a:cs typeface="Giddyup Std" charset="0"/>
+              </a:rPr>
+              <a:t>PPT Icons</a:t>
+            </a:r>
+            <a:endParaRPr kumimoji="1" lang="ko-KR" altLang="en-US" sz="6000" dirty="0">
+              <a:solidFill>
+                <a:srgbClr val="768149"/>
+              </a:solidFill>
+              <a:latin typeface="Giddyup Std" charset="0"/>
+              <a:ea typeface="Giddyup Std" charset="0"/>
+              <a:cs typeface="Giddyup Std" charset="0"/>
+            </a:endParaRPr>
+          </a:p>
+        </p:txBody>
+      </p:sp>
+      <p:pic>
+        <p:nvPicPr>
+          <p:cNvPr id="3" name="그림 2"/>
+          <p:cNvPicPr>
+            <a:picLocks noChangeAspect="1"/>
+          </p:cNvPicPr>
+          <p:nvPr/>
+        </p:nvPicPr>
+        <p:blipFill rotWithShape="1">
+          <a:blip r:embed="rId2">
+            <a:extLst>
+              <a:ext uri="{28A0092B-C50C-407E-A947-70E740481C1C}">
+                <a14:useLocalDpi xmlns:a14="http://schemas.microsoft.com/office/drawing/2010/main" val="0"/>
+              </a:ext>
+            </a:extLst>
+          </a:blip>
+          <a:srcRect l="33502" t="10173" r="38215" b="35672"/>
+          <a:stretch/>
+        </p:blipFill>
+        <p:spPr>
+          <a:xfrm rot="1103447">
+            <a:off x="2953368" y="222009"/>
+            <a:ext cx="699686" cy="753829"/>
+          </a:xfrm>
+          <a:prstGeom prst="rect">
+            <a:avLst/>
+          </a:prstGeom>
+        </p:spPr>
+      </p:pic>
+      <p:sp>
+        <p:nvSpPr>
+          <p:cNvPr id="4" name="TextBox 3"/>
+          <p:cNvSpPr txBox="1"/>
+          <p:nvPr/>
+        </p:nvSpPr>
+        <p:spPr>
+          <a:xfrm>
+            <a:off x="213475" y="931064"/>
+            <a:ext cx="3675750" cy="369332"/>
+          </a:xfrm>
+          <a:prstGeom prst="rect">
+            <a:avLst/>
+          </a:prstGeom>
+          <a:noFill/>
+        </p:spPr>
+        <p:txBody>
+          <a:bodyPr wrap="none" rtlCol="0">
+            <a:spAutoFit/>
+          </a:bodyPr>
+          <a:lstStyle/>
+          <a:p>
+            <a:r>
+              <a:rPr kumimoji="1" lang="en-US" altLang="ko-KR" dirty="0">
+                <a:solidFill>
+                  <a:srgbClr val="659859"/>
+                </a:solidFill>
+                <a:latin typeface="Nanum Gothic" charset="-127"/>
+                <a:ea typeface="Nanum Gothic" charset="-127"/>
+                <a:cs typeface="Nanum Gothic" charset="-127"/>
+              </a:rPr>
+              <a:t>For Your Wonderful Presentation</a:t>
+            </a:r>
+            <a:endParaRPr kumimoji="1" lang="ko-KR" altLang="en-US" dirty="0">
+              <a:solidFill>
+                <a:srgbClr val="659859"/>
+              </a:solidFill>
+              <a:latin typeface="Nanum Gothic" charset="-127"/>
+              <a:ea typeface="Nanum Gothic" charset="-127"/>
+              <a:cs typeface="Nanum Gothic" charset="-127"/>
+            </a:endParaRPr>
+          </a:p>
+        </p:txBody>
+      </p:sp>
+      <p:pic>
+        <p:nvPicPr>
+          <p:cNvPr id="5" name="그림 4"/>
+          <p:cNvPicPr>
+            <a:picLocks noChangeAspect="1"/>
+          </p:cNvPicPr>
+          <p:nvPr/>
+        </p:nvPicPr>
+        <p:blipFill rotWithShape="1">
+          <a:blip r:embed="rId2">
+            <a:extLst>
+              <a:ext uri="{28A0092B-C50C-407E-A947-70E740481C1C}">
+                <a14:useLocalDpi xmlns:a14="http://schemas.microsoft.com/office/drawing/2010/main" val="0"/>
+              </a:ext>
+            </a:extLst>
+          </a:blip>
+          <a:srcRect l="34261" t="9874" r="38636" b="36450"/>
+          <a:stretch/>
+        </p:blipFill>
+        <p:spPr>
+          <a:xfrm>
+            <a:off x="2328056" y="2085492"/>
+            <a:ext cx="2538312" cy="2828544"/>
+          </a:xfrm>
+          <a:prstGeom prst="rect">
+            <a:avLst/>
+          </a:prstGeom>
+        </p:spPr>
+      </p:pic>
+      <p:pic>
+        <p:nvPicPr>
+          <p:cNvPr id="6" name="그림 5"/>
+          <p:cNvPicPr>
+            <a:picLocks noChangeAspect="1"/>
+          </p:cNvPicPr>
+          <p:nvPr/>
+        </p:nvPicPr>
+        <p:blipFill>
+          <a:blip r:embed="rId3">
+            <a:extLst>
+              <a:ext uri="{28A0092B-C50C-407E-A947-70E740481C1C}">
+                <a14:useLocalDpi xmlns:a14="http://schemas.microsoft.com/office/drawing/2010/main" val="0"/>
+              </a:ext>
+            </a:extLst>
+          </a:blip>
+          <a:stretch>
+            <a:fillRect/>
+          </a:stretch>
+        </p:blipFill>
+        <p:spPr>
+          <a:xfrm>
+            <a:off x="3077767" y="5007469"/>
+            <a:ext cx="1957920" cy="1689071"/>
+          </a:xfrm>
+          <a:prstGeom prst="rect">
+            <a:avLst/>
+          </a:prstGeom>
+        </p:spPr>
+      </p:pic>
+      <p:pic>
+        <p:nvPicPr>
+          <p:cNvPr id="7" name="그림 6"/>
+          <p:cNvPicPr>
+            <a:picLocks noChangeAspect="1"/>
+          </p:cNvPicPr>
+          <p:nvPr/>
+        </p:nvPicPr>
+        <p:blipFill>
+          <a:blip r:embed="rId4">
+            <a:extLst>
+              <a:ext uri="{28A0092B-C50C-407E-A947-70E740481C1C}">
+                <a14:useLocalDpi xmlns:a14="http://schemas.microsoft.com/office/drawing/2010/main" val="0"/>
+              </a:ext>
+            </a:extLst>
+          </a:blip>
+          <a:stretch>
+            <a:fillRect/>
+          </a:stretch>
+        </p:blipFill>
+        <p:spPr>
+          <a:xfrm>
+            <a:off x="5284573" y="5007469"/>
+            <a:ext cx="1697921" cy="1607666"/>
+          </a:xfrm>
+          <a:prstGeom prst="rect">
+            <a:avLst/>
+          </a:prstGeom>
+        </p:spPr>
+      </p:pic>
+      <p:pic>
+        <p:nvPicPr>
+          <p:cNvPr id="8" name="그림 7"/>
+          <p:cNvPicPr>
+            <a:picLocks noChangeAspect="1"/>
+          </p:cNvPicPr>
+          <p:nvPr/>
+        </p:nvPicPr>
+        <p:blipFill>
+          <a:blip r:embed="rId5">
+            <a:extLst>
+              <a:ext uri="{28A0092B-C50C-407E-A947-70E740481C1C}">
+                <a14:useLocalDpi xmlns:a14="http://schemas.microsoft.com/office/drawing/2010/main" val="0"/>
+              </a:ext>
+            </a:extLst>
+          </a:blip>
+          <a:stretch>
+            <a:fillRect/>
+          </a:stretch>
+        </p:blipFill>
+        <p:spPr>
+          <a:xfrm>
+            <a:off x="7095463" y="5007469"/>
+            <a:ext cx="1682184" cy="1592765"/>
+          </a:xfrm>
+          <a:prstGeom prst="rect">
+            <a:avLst/>
+          </a:prstGeom>
+        </p:spPr>
+      </p:pic>
+      <p:pic>
+        <p:nvPicPr>
+          <p:cNvPr id="9" name="그림 8"/>
+          <p:cNvPicPr>
+            <a:picLocks noChangeAspect="1"/>
+          </p:cNvPicPr>
+          <p:nvPr/>
+        </p:nvPicPr>
+        <p:blipFill>
+          <a:blip r:embed="rId6">
+            <a:extLst>
+              <a:ext uri="{28A0092B-C50C-407E-A947-70E740481C1C}">
+                <a14:useLocalDpi xmlns:a14="http://schemas.microsoft.com/office/drawing/2010/main" val="0"/>
+              </a:ext>
+            </a:extLst>
+          </a:blip>
+          <a:stretch>
+            <a:fillRect/>
+          </a:stretch>
+        </p:blipFill>
+        <p:spPr>
+          <a:xfrm>
+            <a:off x="316230" y="4038145"/>
+            <a:ext cx="2316480" cy="2316480"/>
+          </a:xfrm>
+          <a:prstGeom prst="rect">
+            <a:avLst/>
+          </a:prstGeom>
+        </p:spPr>
+      </p:pic>
+      <p:pic>
+        <p:nvPicPr>
+          <p:cNvPr id="10" name="그림 9"/>
+          <p:cNvPicPr>
+            <a:picLocks noChangeAspect="1"/>
+          </p:cNvPicPr>
+          <p:nvPr/>
+        </p:nvPicPr>
+        <p:blipFill>
+          <a:blip r:embed="rId7">
+            <a:extLst>
+              <a:ext uri="{28A0092B-C50C-407E-A947-70E740481C1C}">
+                <a14:useLocalDpi xmlns:a14="http://schemas.microsoft.com/office/drawing/2010/main" val="0"/>
+              </a:ext>
+            </a:extLst>
+          </a:blip>
+          <a:stretch>
+            <a:fillRect/>
+          </a:stretch>
+        </p:blipFill>
+        <p:spPr>
+          <a:xfrm>
+            <a:off x="157424" y="1356708"/>
+            <a:ext cx="2920343" cy="2781279"/>
+          </a:xfrm>
+          <a:prstGeom prst="rect">
+            <a:avLst/>
+          </a:prstGeom>
+        </p:spPr>
+      </p:pic>
+      <p:pic>
+        <p:nvPicPr>
+          <p:cNvPr id="11" name="그림 10"/>
+          <p:cNvPicPr>
+            <a:picLocks noChangeAspect="1"/>
+          </p:cNvPicPr>
+          <p:nvPr/>
+        </p:nvPicPr>
+        <p:blipFill>
+          <a:blip r:embed="rId8">
+            <a:extLst>
+              <a:ext uri="{28A0092B-C50C-407E-A947-70E740481C1C}">
+                <a14:useLocalDpi xmlns:a14="http://schemas.microsoft.com/office/drawing/2010/main" val="0"/>
+              </a:ext>
+            </a:extLst>
+          </a:blip>
+          <a:stretch>
+            <a:fillRect/>
+          </a:stretch>
+        </p:blipFill>
+        <p:spPr>
+          <a:xfrm>
+            <a:off x="5332060" y="2711169"/>
+            <a:ext cx="1798667" cy="1577190"/>
+          </a:xfrm>
+          <a:prstGeom prst="rect">
+            <a:avLst/>
+          </a:prstGeom>
+        </p:spPr>
+      </p:pic>
+      <p:pic>
+        <p:nvPicPr>
+          <p:cNvPr id="12" name="그림 11"/>
+          <p:cNvPicPr>
+            <a:picLocks noChangeAspect="1"/>
+          </p:cNvPicPr>
+          <p:nvPr/>
+        </p:nvPicPr>
+        <p:blipFill>
+          <a:blip r:embed="rId9">
+            <a:extLst>
+              <a:ext uri="{28A0092B-C50C-407E-A947-70E740481C1C}">
+                <a14:useLocalDpi xmlns:a14="http://schemas.microsoft.com/office/drawing/2010/main" val="0"/>
+              </a:ext>
+            </a:extLst>
+          </a:blip>
+          <a:stretch>
+            <a:fillRect/>
+          </a:stretch>
+        </p:blipFill>
+        <p:spPr>
+          <a:xfrm>
+            <a:off x="6726988" y="2584196"/>
+            <a:ext cx="1835042" cy="1609085"/>
+          </a:xfrm>
+          <a:prstGeom prst="rect">
+            <a:avLst/>
+          </a:prstGeom>
+        </p:spPr>
+      </p:pic>
+      <p:pic>
+        <p:nvPicPr>
+          <p:cNvPr id="13" name="그림 12"/>
+          <p:cNvPicPr>
+            <a:picLocks noChangeAspect="1"/>
+          </p:cNvPicPr>
+          <p:nvPr/>
+        </p:nvPicPr>
+        <p:blipFill>
+          <a:blip r:embed="rId10">
+            <a:extLst>
+              <a:ext uri="{28A0092B-C50C-407E-A947-70E740481C1C}">
+                <a14:useLocalDpi xmlns:a14="http://schemas.microsoft.com/office/drawing/2010/main" val="0"/>
+              </a:ext>
+            </a:extLst>
+          </a:blip>
+          <a:stretch>
+            <a:fillRect/>
+          </a:stretch>
+        </p:blipFill>
+        <p:spPr>
+          <a:xfrm>
+            <a:off x="7800187" y="391620"/>
+            <a:ext cx="1004380" cy="2137282"/>
+          </a:xfrm>
+          <a:prstGeom prst="rect">
+            <a:avLst/>
+          </a:prstGeom>
+        </p:spPr>
+      </p:pic>
+      <p:pic>
+        <p:nvPicPr>
+          <p:cNvPr id="14" name="그림 13"/>
+          <p:cNvPicPr>
+            <a:picLocks noChangeAspect="1"/>
+          </p:cNvPicPr>
+          <p:nvPr/>
+        </p:nvPicPr>
+        <p:blipFill>
+          <a:blip r:embed="rId11">
+            <a:extLst>
+              <a:ext uri="{28A0092B-C50C-407E-A947-70E740481C1C}">
+                <a14:useLocalDpi xmlns:a14="http://schemas.microsoft.com/office/drawing/2010/main" val="0"/>
+              </a:ext>
+            </a:extLst>
+          </a:blip>
+          <a:stretch>
+            <a:fillRect/>
+          </a:stretch>
+        </p:blipFill>
+        <p:spPr>
+          <a:xfrm>
+            <a:off x="6619404" y="391620"/>
+            <a:ext cx="952119" cy="2026074"/>
+          </a:xfrm>
+          <a:prstGeom prst="rect">
+            <a:avLst/>
+          </a:prstGeom>
+        </p:spPr>
+      </p:pic>
+      <p:pic>
+        <p:nvPicPr>
+          <p:cNvPr id="15" name="그림 14"/>
+          <p:cNvPicPr>
+            <a:picLocks noChangeAspect="1"/>
+          </p:cNvPicPr>
+          <p:nvPr/>
+        </p:nvPicPr>
+        <p:blipFill>
+          <a:blip r:embed="rId12">
+            <a:extLst>
+              <a:ext uri="{28A0092B-C50C-407E-A947-70E740481C1C}">
+                <a14:useLocalDpi xmlns:a14="http://schemas.microsoft.com/office/drawing/2010/main" val="0"/>
+              </a:ext>
+            </a:extLst>
+          </a:blip>
+          <a:stretch>
+            <a:fillRect/>
+          </a:stretch>
+        </p:blipFill>
+        <p:spPr>
+          <a:xfrm>
+            <a:off x="5435267" y="391620"/>
+            <a:ext cx="901432" cy="2055817"/>
+          </a:xfrm>
+          <a:prstGeom prst="rect">
+            <a:avLst/>
+          </a:prstGeom>
+        </p:spPr>
+      </p:pic>
+      <p:pic>
+        <p:nvPicPr>
+          <p:cNvPr id="16" name="그림 15"/>
+          <p:cNvPicPr>
+            <a:picLocks noChangeAspect="1"/>
+          </p:cNvPicPr>
+          <p:nvPr/>
+        </p:nvPicPr>
+        <p:blipFill>
+          <a:blip r:embed="rId13">
+            <a:extLst>
+              <a:ext uri="{28A0092B-C50C-407E-A947-70E740481C1C}">
+                <a14:useLocalDpi xmlns:a14="http://schemas.microsoft.com/office/drawing/2010/main" val="0"/>
+              </a:ext>
+            </a:extLst>
+          </a:blip>
+          <a:stretch>
+            <a:fillRect/>
+          </a:stretch>
+        </p:blipFill>
+        <p:spPr>
+          <a:xfrm>
+            <a:off x="4328956" y="391620"/>
+            <a:ext cx="889399" cy="2028375"/>
+          </a:xfrm>
+          <a:prstGeom prst="rect">
+            <a:avLst/>
+          </a:prstGeom>
+        </p:spPr>
+      </p:pic>
+    </p:spTree>
+    <p:extLst>
+      <p:ext uri="{BB962C8B-B14F-4D97-AF65-F5344CB8AC3E}">
+        <p14:creationId xmlns:p14="http://schemas.microsoft.com/office/powerpoint/2010/main" val="607387823"/>
+      </p:ext>
+    </p:extLst>
+  </p:cSld>
+  <p:clrMapOvr>
+    <a:masterClrMapping/>
+  </p:clrMapOvr>
+  <mc:AlternateContent xmlns:mc="http://schemas.openxmlformats.org/markup-compatibility/2006" xmlns:p14="http://schemas.microsoft.com/office/powerpoint/2010/main">
+    <mc:Choice Requires="p14">
+      <p:transition spd="med" p14:dur="700">
+        <p:fade/>
+      </p:transition>
+    </mc:Choice>
+    <mc:Fallback xmlns="">
+      <p:transition spd="med">
+        <p:fade/>
+      </p:transition>
+    </mc:Fallback>
+  </mc:AlternateContent>
+</p:sld>
+</file>
+
+<file path=ppt/slides/slide11.xml><?xml version="1.0" encoding="utf-8"?>
+<p:sld xmlns:a="http://schemas.openxmlformats.org/drawingml/2006/main" xmlns:r="http://schemas.openxmlformats.org/officeDocument/2006/relationships" xmlns:p="http://schemas.openxmlformats.org/presentationml/2006/main">
+  <p:cSld>
+    <p:bg>
+      <p:bgPr>
+        <a:blipFill dpi="0" rotWithShape="1">
+          <a:blip r:embed="rId2">
+            <a:lum/>
+          </a:blip>
+          <a:srcRect/>
+          <a:stretch>
+            <a:fillRect/>
+          </a:stretch>
+        </a:blipFill>
+        <a:effectLst/>
+      </p:bgPr>
+    </p:bg>
+    <p:spTree>
+      <p:nvGrpSpPr>
+        <p:cNvPr id="1" name=""/>
+        <p:cNvGrpSpPr/>
+        <p:nvPr/>
+      </p:nvGrpSpPr>
+      <p:grpSpPr>
+        <a:xfrm>
+          <a:off x="0" y="0"/>
+          <a:ext cx="0" cy="0"/>
+          <a:chOff x="0" y="0"/>
+          <a:chExt cx="0" cy="0"/>
+        </a:xfrm>
+      </p:grpSpPr>
+      <p:pic>
+        <p:nvPicPr>
+          <p:cNvPr id="4" name="그림 3"/>
+          <p:cNvPicPr>
+            <a:picLocks noChangeAspect="1"/>
+          </p:cNvPicPr>
+          <p:nvPr/>
+        </p:nvPicPr>
+        <p:blipFill>
+          <a:blip r:embed="rId3">
+            <a:extLst>
+              <a:ext uri="{28A0092B-C50C-407E-A947-70E740481C1C}">
+                <a14:useLocalDpi xmlns:a14="http://schemas.microsoft.com/office/drawing/2010/main" val="0"/>
+              </a:ext>
+            </a:extLst>
+          </a:blip>
+          <a:stretch>
+            <a:fillRect/>
+          </a:stretch>
+        </p:blipFill>
+        <p:spPr>
+          <a:xfrm>
+            <a:off x="4162855" y="1637221"/>
+            <a:ext cx="4080272" cy="3519995"/>
+          </a:xfrm>
+          <a:prstGeom prst="rect">
+            <a:avLst/>
+          </a:prstGeom>
+        </p:spPr>
+      </p:pic>
+      <p:sp>
+        <p:nvSpPr>
+          <p:cNvPr id="2" name="TextBox 1"/>
+          <p:cNvSpPr txBox="1"/>
+          <p:nvPr/>
+        </p:nvSpPr>
+        <p:spPr>
+          <a:xfrm>
+            <a:off x="5041455" y="2280668"/>
+            <a:ext cx="2323072" cy="2554545"/>
+          </a:xfrm>
+          <a:prstGeom prst="rect">
+            <a:avLst/>
+          </a:prstGeom>
+          <a:noFill/>
+        </p:spPr>
+        <p:txBody>
+          <a:bodyPr wrap="none" rtlCol="0">
+            <a:spAutoFit/>
+          </a:bodyPr>
+          <a:lstStyle/>
+          <a:p>
+            <a:r>
+              <a:rPr kumimoji="1" lang="en-US" altLang="ko-KR" sz="8000" dirty="0">
+                <a:solidFill>
+                  <a:srgbClr val="FFC000"/>
+                </a:solidFill>
+                <a:latin typeface="Giddyup Std" charset="0"/>
+                <a:ea typeface="Giddyup Std" charset="0"/>
+                <a:cs typeface="Giddyup Std" charset="0"/>
+              </a:rPr>
+              <a:t>Thank</a:t>
+            </a:r>
+          </a:p>
+          <a:p>
+            <a:r>
+              <a:rPr kumimoji="1" lang="en-US" altLang="ko-KR" sz="8000" dirty="0">
+                <a:solidFill>
+                  <a:srgbClr val="FFC000"/>
+                </a:solidFill>
+                <a:latin typeface="Giddyup Std" charset="0"/>
+                <a:ea typeface="Giddyup Std" charset="0"/>
+                <a:cs typeface="Giddyup Std" charset="0"/>
+              </a:rPr>
+              <a:t>YOU</a:t>
+            </a:r>
+            <a:endParaRPr kumimoji="1" lang="ko-KR" altLang="en-US" sz="8000" dirty="0">
+              <a:solidFill>
+                <a:srgbClr val="FFC000"/>
+              </a:solidFill>
+              <a:latin typeface="Giddyup Std" charset="0"/>
+              <a:ea typeface="Giddyup Std" charset="0"/>
+              <a:cs typeface="Giddyup Std" charset="0"/>
+            </a:endParaRPr>
+          </a:p>
+        </p:txBody>
+      </p:sp>
+    </p:spTree>
+    <p:extLst>
+      <p:ext uri="{BB962C8B-B14F-4D97-AF65-F5344CB8AC3E}">
+        <p14:creationId xmlns:p14="http://schemas.microsoft.com/office/powerpoint/2010/main" val="35825468"/>
       </p:ext>
     </p:extLst>
   </p:cSld>
@@ -3181,7 +3846,7 @@
         </p:nvSpPr>
         <p:spPr>
           <a:xfrm>
-            <a:off x="7972805" y="807468"/>
+            <a:off x="6962152" y="856317"/>
             <a:ext cx="3910045" cy="2646878"/>
           </a:xfrm>
           <a:prstGeom prst="rect">
@@ -3236,8 +3901,8 @@
         </p:nvGrpSpPr>
         <p:grpSpPr>
           <a:xfrm>
-            <a:off x="910024" y="252996"/>
-            <a:ext cx="2097270" cy="1121741"/>
+            <a:off x="1152971" y="1597741"/>
+            <a:ext cx="2097270" cy="2377909"/>
             <a:chOff x="948267" y="649769"/>
             <a:chExt cx="2162409" cy="1400993"/>
           </a:xfrm>
@@ -3396,702 +4061,6 @@
           </p:txBody>
         </p:sp>
       </p:grpSp>
-      <p:grpSp>
-        <p:nvGrpSpPr>
-          <p:cNvPr id="9" name="그룹 8"/>
-          <p:cNvGrpSpPr/>
-          <p:nvPr/>
-        </p:nvGrpSpPr>
-        <p:grpSpPr>
-          <a:xfrm>
-            <a:off x="910024" y="1857719"/>
-            <a:ext cx="2097272" cy="1340121"/>
-            <a:chOff x="948267" y="727060"/>
-            <a:chExt cx="2162411" cy="1673738"/>
-          </a:xfrm>
-        </p:grpSpPr>
-        <p:sp>
-          <p:nvSpPr>
-            <p:cNvPr id="10" name="TextBox 9"/>
-            <p:cNvSpPr txBox="1"/>
-            <p:nvPr/>
-          </p:nvSpPr>
-          <p:spPr>
-            <a:xfrm>
-              <a:off x="948267" y="807468"/>
-              <a:ext cx="1196161" cy="646331"/>
-            </a:xfrm>
-            <a:prstGeom prst="rect">
-              <a:avLst/>
-            </a:prstGeom>
-            <a:noFill/>
-          </p:spPr>
-          <p:txBody>
-            <a:bodyPr wrap="none" rtlCol="0">
-              <a:spAutoFit/>
-            </a:bodyPr>
-            <a:lstStyle/>
-            <a:p>
-              <a:r>
-                <a:rPr kumimoji="1" lang="en-US" altLang="ko-KR" sz="3600" dirty="0">
-                  <a:solidFill>
-                    <a:srgbClr val="768149"/>
-                  </a:solidFill>
-                  <a:latin typeface="Giddyup Std" charset="0"/>
-                  <a:ea typeface="Giddyup Std" charset="0"/>
-                  <a:cs typeface="Giddyup Std" charset="0"/>
-                </a:rPr>
-                <a:t>Title 2</a:t>
-              </a:r>
-              <a:endParaRPr kumimoji="1" lang="ko-KR" altLang="en-US" sz="3600" dirty="0">
-                <a:solidFill>
-                  <a:srgbClr val="768149"/>
-                </a:solidFill>
-                <a:latin typeface="Giddyup Std" charset="0"/>
-                <a:ea typeface="Giddyup Std" charset="0"/>
-                <a:cs typeface="Giddyup Std" charset="0"/>
-              </a:endParaRPr>
-            </a:p>
-          </p:txBody>
-        </p:sp>
-        <p:pic>
-          <p:nvPicPr>
-            <p:cNvPr id="11" name="그림 10"/>
-            <p:cNvPicPr>
-              <a:picLocks noChangeAspect="1"/>
-            </p:cNvPicPr>
-            <p:nvPr/>
-          </p:nvPicPr>
-          <p:blipFill rotWithShape="1">
-            <a:blip r:embed="rId3">
-              <a:extLst>
-                <a:ext uri="{28A0092B-C50C-407E-A947-70E740481C1C}">
-                  <a14:useLocalDpi xmlns:a14="http://schemas.microsoft.com/office/drawing/2010/main" val="0"/>
-                </a:ext>
-              </a:extLst>
-            </a:blip>
-            <a:srcRect l="37242" r="30464"/>
-            <a:stretch/>
-          </p:blipFill>
-          <p:spPr>
-            <a:xfrm rot="3367540">
-              <a:off x="2496528" y="541110"/>
-              <a:ext cx="428199" cy="800100"/>
-            </a:xfrm>
-            <a:prstGeom prst="rect">
-              <a:avLst/>
-            </a:prstGeom>
-          </p:spPr>
-        </p:pic>
-        <p:sp>
-          <p:nvSpPr>
-            <p:cNvPr id="12" name="TextBox 11"/>
-            <p:cNvSpPr txBox="1"/>
-            <p:nvPr/>
-          </p:nvSpPr>
-          <p:spPr>
-            <a:xfrm>
-              <a:off x="1624978" y="1331394"/>
-              <a:ext cx="1309974" cy="369332"/>
-            </a:xfrm>
-            <a:prstGeom prst="rect">
-              <a:avLst/>
-            </a:prstGeom>
-            <a:noFill/>
-          </p:spPr>
-          <p:txBody>
-            <a:bodyPr wrap="none" rtlCol="0">
-              <a:spAutoFit/>
-            </a:bodyPr>
-            <a:lstStyle/>
-            <a:p>
-              <a:r>
-                <a:rPr kumimoji="1" lang="en-US" altLang="ko-KR" dirty="0">
-                  <a:solidFill>
-                    <a:srgbClr val="659859"/>
-                  </a:solidFill>
-                  <a:latin typeface="Nanum Gothic" charset="-127"/>
-                  <a:ea typeface="Nanum Gothic" charset="-127"/>
-                  <a:cs typeface="Nanum Gothic" charset="-127"/>
-                </a:rPr>
-                <a:t>Sub Title 1</a:t>
-              </a:r>
-              <a:endParaRPr kumimoji="1" lang="ko-KR" altLang="en-US" dirty="0">
-                <a:solidFill>
-                  <a:srgbClr val="659859"/>
-                </a:solidFill>
-                <a:latin typeface="Nanum Gothic" charset="-127"/>
-                <a:ea typeface="Nanum Gothic" charset="-127"/>
-                <a:cs typeface="Nanum Gothic" charset="-127"/>
-              </a:endParaRPr>
-            </a:p>
-          </p:txBody>
-        </p:sp>
-        <p:sp>
-          <p:nvSpPr>
-            <p:cNvPr id="13" name="TextBox 12"/>
-            <p:cNvSpPr txBox="1"/>
-            <p:nvPr/>
-          </p:nvSpPr>
-          <p:spPr>
-            <a:xfrm>
-              <a:off x="1624978" y="1681430"/>
-              <a:ext cx="1309974" cy="369332"/>
-            </a:xfrm>
-            <a:prstGeom prst="rect">
-              <a:avLst/>
-            </a:prstGeom>
-            <a:noFill/>
-          </p:spPr>
-          <p:txBody>
-            <a:bodyPr wrap="none" rtlCol="0">
-              <a:spAutoFit/>
-            </a:bodyPr>
-            <a:lstStyle/>
-            <a:p>
-              <a:r>
-                <a:rPr kumimoji="1" lang="en-US" altLang="ko-KR" dirty="0">
-                  <a:solidFill>
-                    <a:srgbClr val="659859"/>
-                  </a:solidFill>
-                  <a:latin typeface="Nanum Gothic" charset="-127"/>
-                  <a:ea typeface="Nanum Gothic" charset="-127"/>
-                  <a:cs typeface="Nanum Gothic" charset="-127"/>
-                </a:rPr>
-                <a:t>Sub Title 2</a:t>
-              </a:r>
-              <a:endParaRPr kumimoji="1" lang="ko-KR" altLang="en-US" dirty="0">
-                <a:solidFill>
-                  <a:srgbClr val="659859"/>
-                </a:solidFill>
-                <a:latin typeface="Nanum Gothic" charset="-127"/>
-                <a:ea typeface="Nanum Gothic" charset="-127"/>
-                <a:cs typeface="Nanum Gothic" charset="-127"/>
-              </a:endParaRPr>
-            </a:p>
-          </p:txBody>
-        </p:sp>
-        <p:sp>
-          <p:nvSpPr>
-            <p:cNvPr id="14" name="TextBox 13"/>
-            <p:cNvSpPr txBox="1"/>
-            <p:nvPr/>
-          </p:nvSpPr>
-          <p:spPr>
-            <a:xfrm>
-              <a:off x="1624978" y="2031466"/>
-              <a:ext cx="1309974" cy="369332"/>
-            </a:xfrm>
-            <a:prstGeom prst="rect">
-              <a:avLst/>
-            </a:prstGeom>
-            <a:noFill/>
-          </p:spPr>
-          <p:txBody>
-            <a:bodyPr wrap="none" rtlCol="0">
-              <a:spAutoFit/>
-            </a:bodyPr>
-            <a:lstStyle/>
-            <a:p>
-              <a:r>
-                <a:rPr kumimoji="1" lang="en-US" altLang="ko-KR" dirty="0">
-                  <a:solidFill>
-                    <a:srgbClr val="659859"/>
-                  </a:solidFill>
-                  <a:latin typeface="Nanum Gothic" charset="-127"/>
-                  <a:ea typeface="Nanum Gothic" charset="-127"/>
-                  <a:cs typeface="Nanum Gothic" charset="-127"/>
-                </a:rPr>
-                <a:t>Sub Title 3</a:t>
-              </a:r>
-              <a:endParaRPr kumimoji="1" lang="ko-KR" altLang="en-US" dirty="0">
-                <a:solidFill>
-                  <a:srgbClr val="659859"/>
-                </a:solidFill>
-                <a:latin typeface="Nanum Gothic" charset="-127"/>
-                <a:ea typeface="Nanum Gothic" charset="-127"/>
-                <a:cs typeface="Nanum Gothic" charset="-127"/>
-              </a:endParaRPr>
-            </a:p>
-          </p:txBody>
-        </p:sp>
-      </p:grpSp>
-      <p:grpSp>
-        <p:nvGrpSpPr>
-          <p:cNvPr id="15" name="그룹 14"/>
-          <p:cNvGrpSpPr/>
-          <p:nvPr/>
-        </p:nvGrpSpPr>
-        <p:grpSpPr>
-          <a:xfrm>
-            <a:off x="887382" y="3338864"/>
-            <a:ext cx="2121636" cy="1401810"/>
-            <a:chOff x="948267" y="650013"/>
-            <a:chExt cx="2187532" cy="1750785"/>
-          </a:xfrm>
-        </p:grpSpPr>
-        <p:sp>
-          <p:nvSpPr>
-            <p:cNvPr id="16" name="TextBox 15"/>
-            <p:cNvSpPr txBox="1"/>
-            <p:nvPr/>
-          </p:nvSpPr>
-          <p:spPr>
-            <a:xfrm>
-              <a:off x="948267" y="807468"/>
-              <a:ext cx="1189749" cy="646331"/>
-            </a:xfrm>
-            <a:prstGeom prst="rect">
-              <a:avLst/>
-            </a:prstGeom>
-            <a:noFill/>
-          </p:spPr>
-          <p:txBody>
-            <a:bodyPr wrap="none" rtlCol="0">
-              <a:spAutoFit/>
-            </a:bodyPr>
-            <a:lstStyle/>
-            <a:p>
-              <a:r>
-                <a:rPr kumimoji="1" lang="en-US" altLang="ko-KR" sz="3600" dirty="0">
-                  <a:solidFill>
-                    <a:srgbClr val="768149"/>
-                  </a:solidFill>
-                  <a:latin typeface="Giddyup Std" charset="0"/>
-                  <a:ea typeface="Giddyup Std" charset="0"/>
-                  <a:cs typeface="Giddyup Std" charset="0"/>
-                </a:rPr>
-                <a:t>Title 3</a:t>
-              </a:r>
-              <a:endParaRPr kumimoji="1" lang="ko-KR" altLang="en-US" sz="3600" dirty="0">
-                <a:solidFill>
-                  <a:srgbClr val="768149"/>
-                </a:solidFill>
-                <a:latin typeface="Giddyup Std" charset="0"/>
-                <a:ea typeface="Giddyup Std" charset="0"/>
-                <a:cs typeface="Giddyup Std" charset="0"/>
-              </a:endParaRPr>
-            </a:p>
-          </p:txBody>
-        </p:sp>
-        <p:pic>
-          <p:nvPicPr>
-            <p:cNvPr id="17" name="그림 16"/>
-            <p:cNvPicPr>
-              <a:picLocks noChangeAspect="1"/>
-            </p:cNvPicPr>
-            <p:nvPr/>
-          </p:nvPicPr>
-          <p:blipFill rotWithShape="1">
-            <a:blip r:embed="rId3">
-              <a:extLst>
-                <a:ext uri="{28A0092B-C50C-407E-A947-70E740481C1C}">
-                  <a14:useLocalDpi xmlns:a14="http://schemas.microsoft.com/office/drawing/2010/main" val="0"/>
-                </a:ext>
-              </a:extLst>
-            </a:blip>
-            <a:srcRect l="37242" r="30464"/>
-            <a:stretch/>
-          </p:blipFill>
-          <p:spPr>
-            <a:xfrm rot="3367540">
-              <a:off x="2521649" y="464063"/>
-              <a:ext cx="428199" cy="800100"/>
-            </a:xfrm>
-            <a:prstGeom prst="rect">
-              <a:avLst/>
-            </a:prstGeom>
-          </p:spPr>
-        </p:pic>
-        <p:sp>
-          <p:nvSpPr>
-            <p:cNvPr id="18" name="TextBox 17"/>
-            <p:cNvSpPr txBox="1"/>
-            <p:nvPr/>
-          </p:nvSpPr>
-          <p:spPr>
-            <a:xfrm>
-              <a:off x="1624978" y="1331394"/>
-              <a:ext cx="1309974" cy="369332"/>
-            </a:xfrm>
-            <a:prstGeom prst="rect">
-              <a:avLst/>
-            </a:prstGeom>
-            <a:noFill/>
-          </p:spPr>
-          <p:txBody>
-            <a:bodyPr wrap="none" rtlCol="0">
-              <a:spAutoFit/>
-            </a:bodyPr>
-            <a:lstStyle/>
-            <a:p>
-              <a:r>
-                <a:rPr kumimoji="1" lang="en-US" altLang="ko-KR" dirty="0">
-                  <a:solidFill>
-                    <a:srgbClr val="659859"/>
-                  </a:solidFill>
-                  <a:latin typeface="Nanum Gothic" charset="-127"/>
-                  <a:ea typeface="Nanum Gothic" charset="-127"/>
-                  <a:cs typeface="Nanum Gothic" charset="-127"/>
-                </a:rPr>
-                <a:t>Sub Title 1</a:t>
-              </a:r>
-              <a:endParaRPr kumimoji="1" lang="ko-KR" altLang="en-US" dirty="0">
-                <a:solidFill>
-                  <a:srgbClr val="659859"/>
-                </a:solidFill>
-                <a:latin typeface="Nanum Gothic" charset="-127"/>
-                <a:ea typeface="Nanum Gothic" charset="-127"/>
-                <a:cs typeface="Nanum Gothic" charset="-127"/>
-              </a:endParaRPr>
-            </a:p>
-          </p:txBody>
-        </p:sp>
-        <p:sp>
-          <p:nvSpPr>
-            <p:cNvPr id="19" name="TextBox 18"/>
-            <p:cNvSpPr txBox="1"/>
-            <p:nvPr/>
-          </p:nvSpPr>
-          <p:spPr>
-            <a:xfrm>
-              <a:off x="1624978" y="1681430"/>
-              <a:ext cx="1309974" cy="369332"/>
-            </a:xfrm>
-            <a:prstGeom prst="rect">
-              <a:avLst/>
-            </a:prstGeom>
-            <a:noFill/>
-          </p:spPr>
-          <p:txBody>
-            <a:bodyPr wrap="none" rtlCol="0">
-              <a:spAutoFit/>
-            </a:bodyPr>
-            <a:lstStyle/>
-            <a:p>
-              <a:r>
-                <a:rPr kumimoji="1" lang="en-US" altLang="ko-KR" dirty="0">
-                  <a:solidFill>
-                    <a:srgbClr val="659859"/>
-                  </a:solidFill>
-                  <a:latin typeface="Nanum Gothic" charset="-127"/>
-                  <a:ea typeface="Nanum Gothic" charset="-127"/>
-                  <a:cs typeface="Nanum Gothic" charset="-127"/>
-                </a:rPr>
-                <a:t>Sub Title 2</a:t>
-              </a:r>
-              <a:endParaRPr kumimoji="1" lang="ko-KR" altLang="en-US" dirty="0">
-                <a:solidFill>
-                  <a:srgbClr val="659859"/>
-                </a:solidFill>
-                <a:latin typeface="Nanum Gothic" charset="-127"/>
-                <a:ea typeface="Nanum Gothic" charset="-127"/>
-                <a:cs typeface="Nanum Gothic" charset="-127"/>
-              </a:endParaRPr>
-            </a:p>
-          </p:txBody>
-        </p:sp>
-        <p:sp>
-          <p:nvSpPr>
-            <p:cNvPr id="20" name="TextBox 19"/>
-            <p:cNvSpPr txBox="1"/>
-            <p:nvPr/>
-          </p:nvSpPr>
-          <p:spPr>
-            <a:xfrm>
-              <a:off x="1624978" y="2031466"/>
-              <a:ext cx="1309974" cy="369332"/>
-            </a:xfrm>
-            <a:prstGeom prst="rect">
-              <a:avLst/>
-            </a:prstGeom>
-            <a:noFill/>
-          </p:spPr>
-          <p:txBody>
-            <a:bodyPr wrap="none" rtlCol="0">
-              <a:spAutoFit/>
-            </a:bodyPr>
-            <a:lstStyle/>
-            <a:p>
-              <a:r>
-                <a:rPr kumimoji="1" lang="en-US" altLang="ko-KR" dirty="0">
-                  <a:solidFill>
-                    <a:srgbClr val="659859"/>
-                  </a:solidFill>
-                  <a:latin typeface="Nanum Gothic" charset="-127"/>
-                  <a:ea typeface="Nanum Gothic" charset="-127"/>
-                  <a:cs typeface="Nanum Gothic" charset="-127"/>
-                </a:rPr>
-                <a:t>Sub Title 3</a:t>
-              </a:r>
-              <a:endParaRPr kumimoji="1" lang="ko-KR" altLang="en-US" dirty="0">
-                <a:solidFill>
-                  <a:srgbClr val="659859"/>
-                </a:solidFill>
-                <a:latin typeface="Nanum Gothic" charset="-127"/>
-                <a:ea typeface="Nanum Gothic" charset="-127"/>
-                <a:cs typeface="Nanum Gothic" charset="-127"/>
-              </a:endParaRPr>
-            </a:p>
-          </p:txBody>
-        </p:sp>
-      </p:grpSp>
-      <p:grpSp>
-        <p:nvGrpSpPr>
-          <p:cNvPr id="21" name="그룹 20">
-            <a:extLst>
-              <a:ext uri="{FF2B5EF4-FFF2-40B4-BE49-F238E27FC236}">
-                <a16:creationId xmlns:a16="http://schemas.microsoft.com/office/drawing/2014/main" id="{4A363A6C-9380-4776-BE20-8FAD801D771A}"/>
-              </a:ext>
-            </a:extLst>
-          </p:cNvPr>
-          <p:cNvGrpSpPr/>
-          <p:nvPr/>
-        </p:nvGrpSpPr>
-        <p:grpSpPr>
-          <a:xfrm>
-            <a:off x="910024" y="4811234"/>
-            <a:ext cx="2097270" cy="1375924"/>
-            <a:chOff x="948267" y="682344"/>
-            <a:chExt cx="2162409" cy="1718454"/>
-          </a:xfrm>
-        </p:grpSpPr>
-        <p:sp>
-          <p:nvSpPr>
-            <p:cNvPr id="22" name="TextBox 21">
-              <a:extLst>
-                <a:ext uri="{FF2B5EF4-FFF2-40B4-BE49-F238E27FC236}">
-                  <a16:creationId xmlns:a16="http://schemas.microsoft.com/office/drawing/2014/main" id="{D3A2B8B6-2BF2-46C5-9DD9-19AC8764D1A4}"/>
-                </a:ext>
-              </a:extLst>
-            </p:cNvPr>
-            <p:cNvSpPr txBox="1"/>
-            <p:nvPr/>
-          </p:nvSpPr>
-          <p:spPr>
-            <a:xfrm>
-              <a:off x="948267" y="807468"/>
-              <a:ext cx="1383716" cy="807232"/>
-            </a:xfrm>
-            <a:prstGeom prst="rect">
-              <a:avLst/>
-            </a:prstGeom>
-            <a:noFill/>
-          </p:spPr>
-          <p:txBody>
-            <a:bodyPr wrap="none" rtlCol="0">
-              <a:spAutoFit/>
-            </a:bodyPr>
-            <a:lstStyle/>
-            <a:p>
-              <a:r>
-                <a:rPr kumimoji="1" lang="en-US" altLang="ko-KR" sz="3600" dirty="0">
-                  <a:solidFill>
-                    <a:srgbClr val="768149"/>
-                  </a:solidFill>
-                  <a:latin typeface="Giddyup Std" charset="0"/>
-                  <a:ea typeface="Giddyup Std" charset="0"/>
-                  <a:cs typeface="Giddyup Std" charset="0"/>
-                </a:rPr>
-                <a:t>Title 4</a:t>
-              </a:r>
-              <a:endParaRPr kumimoji="1" lang="ko-KR" altLang="en-US" sz="3600" dirty="0">
-                <a:solidFill>
-                  <a:srgbClr val="768149"/>
-                </a:solidFill>
-                <a:latin typeface="Giddyup Std" charset="0"/>
-                <a:ea typeface="Giddyup Std" charset="0"/>
-                <a:cs typeface="Giddyup Std" charset="0"/>
-              </a:endParaRPr>
-            </a:p>
-          </p:txBody>
-        </p:sp>
-        <p:pic>
-          <p:nvPicPr>
-            <p:cNvPr id="23" name="그림 22">
-              <a:extLst>
-                <a:ext uri="{FF2B5EF4-FFF2-40B4-BE49-F238E27FC236}">
-                  <a16:creationId xmlns:a16="http://schemas.microsoft.com/office/drawing/2014/main" id="{0F9BE804-8909-4279-9BBF-AA5B0E1D3FAB}"/>
-                </a:ext>
-              </a:extLst>
-            </p:cNvPr>
-            <p:cNvPicPr>
-              <a:picLocks noChangeAspect="1"/>
-            </p:cNvPicPr>
-            <p:nvPr/>
-          </p:nvPicPr>
-          <p:blipFill rotWithShape="1">
-            <a:blip r:embed="rId3">
-              <a:extLst>
-                <a:ext uri="{28A0092B-C50C-407E-A947-70E740481C1C}">
-                  <a14:useLocalDpi xmlns:a14="http://schemas.microsoft.com/office/drawing/2010/main" val="0"/>
-                </a:ext>
-              </a:extLst>
-            </a:blip>
-            <a:srcRect l="37242" r="30464"/>
-            <a:stretch/>
-          </p:blipFill>
-          <p:spPr>
-            <a:xfrm rot="3367540">
-              <a:off x="2496526" y="496394"/>
-              <a:ext cx="428199" cy="800100"/>
-            </a:xfrm>
-            <a:prstGeom prst="rect">
-              <a:avLst/>
-            </a:prstGeom>
-          </p:spPr>
-        </p:pic>
-        <p:sp>
-          <p:nvSpPr>
-            <p:cNvPr id="24" name="TextBox 23">
-              <a:extLst>
-                <a:ext uri="{FF2B5EF4-FFF2-40B4-BE49-F238E27FC236}">
-                  <a16:creationId xmlns:a16="http://schemas.microsoft.com/office/drawing/2014/main" id="{0F605758-6D28-4848-98DA-7571C20768ED}"/>
-                </a:ext>
-              </a:extLst>
-            </p:cNvPr>
-            <p:cNvSpPr txBox="1"/>
-            <p:nvPr/>
-          </p:nvSpPr>
-          <p:spPr>
-            <a:xfrm>
-              <a:off x="1624978" y="1331394"/>
-              <a:ext cx="1309974" cy="369332"/>
-            </a:xfrm>
-            <a:prstGeom prst="rect">
-              <a:avLst/>
-            </a:prstGeom>
-            <a:noFill/>
-          </p:spPr>
-          <p:txBody>
-            <a:bodyPr wrap="none" rtlCol="0">
-              <a:spAutoFit/>
-            </a:bodyPr>
-            <a:lstStyle/>
-            <a:p>
-              <a:r>
-                <a:rPr kumimoji="1" lang="en-US" altLang="ko-KR" dirty="0">
-                  <a:solidFill>
-                    <a:srgbClr val="659859"/>
-                  </a:solidFill>
-                  <a:latin typeface="Nanum Gothic" charset="-127"/>
-                  <a:ea typeface="Nanum Gothic" charset="-127"/>
-                  <a:cs typeface="Nanum Gothic" charset="-127"/>
-                </a:rPr>
-                <a:t>Sub Title 1</a:t>
-              </a:r>
-              <a:endParaRPr kumimoji="1" lang="ko-KR" altLang="en-US" dirty="0">
-                <a:solidFill>
-                  <a:srgbClr val="659859"/>
-                </a:solidFill>
-                <a:latin typeface="Nanum Gothic" charset="-127"/>
-                <a:ea typeface="Nanum Gothic" charset="-127"/>
-                <a:cs typeface="Nanum Gothic" charset="-127"/>
-              </a:endParaRPr>
-            </a:p>
-          </p:txBody>
-        </p:sp>
-        <p:sp>
-          <p:nvSpPr>
-            <p:cNvPr id="25" name="TextBox 24">
-              <a:extLst>
-                <a:ext uri="{FF2B5EF4-FFF2-40B4-BE49-F238E27FC236}">
-                  <a16:creationId xmlns:a16="http://schemas.microsoft.com/office/drawing/2014/main" id="{A26607E3-CFA8-461B-86DF-B86AE9AD5BCA}"/>
-                </a:ext>
-              </a:extLst>
-            </p:cNvPr>
-            <p:cNvSpPr txBox="1"/>
-            <p:nvPr/>
-          </p:nvSpPr>
-          <p:spPr>
-            <a:xfrm>
-              <a:off x="1624978" y="1681430"/>
-              <a:ext cx="1309974" cy="369332"/>
-            </a:xfrm>
-            <a:prstGeom prst="rect">
-              <a:avLst/>
-            </a:prstGeom>
-            <a:noFill/>
-          </p:spPr>
-          <p:txBody>
-            <a:bodyPr wrap="none" rtlCol="0">
-              <a:spAutoFit/>
-            </a:bodyPr>
-            <a:lstStyle/>
-            <a:p>
-              <a:r>
-                <a:rPr kumimoji="1" lang="en-US" altLang="ko-KR" dirty="0">
-                  <a:solidFill>
-                    <a:srgbClr val="659859"/>
-                  </a:solidFill>
-                  <a:latin typeface="Nanum Gothic" charset="-127"/>
-                  <a:ea typeface="Nanum Gothic" charset="-127"/>
-                  <a:cs typeface="Nanum Gothic" charset="-127"/>
-                </a:rPr>
-                <a:t>Sub Title 2</a:t>
-              </a:r>
-              <a:endParaRPr kumimoji="1" lang="ko-KR" altLang="en-US" dirty="0">
-                <a:solidFill>
-                  <a:srgbClr val="659859"/>
-                </a:solidFill>
-                <a:latin typeface="Nanum Gothic" charset="-127"/>
-                <a:ea typeface="Nanum Gothic" charset="-127"/>
-                <a:cs typeface="Nanum Gothic" charset="-127"/>
-              </a:endParaRPr>
-            </a:p>
-          </p:txBody>
-        </p:sp>
-        <p:sp>
-          <p:nvSpPr>
-            <p:cNvPr id="26" name="TextBox 25">
-              <a:extLst>
-                <a:ext uri="{FF2B5EF4-FFF2-40B4-BE49-F238E27FC236}">
-                  <a16:creationId xmlns:a16="http://schemas.microsoft.com/office/drawing/2014/main" id="{B8E3B8D8-7C89-461C-9A94-6A3526E39CE0}"/>
-                </a:ext>
-              </a:extLst>
-            </p:cNvPr>
-            <p:cNvSpPr txBox="1"/>
-            <p:nvPr/>
-          </p:nvSpPr>
-          <p:spPr>
-            <a:xfrm>
-              <a:off x="1624978" y="2031466"/>
-              <a:ext cx="1309974" cy="369332"/>
-            </a:xfrm>
-            <a:prstGeom prst="rect">
-              <a:avLst/>
-            </a:prstGeom>
-            <a:noFill/>
-          </p:spPr>
-          <p:txBody>
-            <a:bodyPr wrap="none" rtlCol="0">
-              <a:spAutoFit/>
-            </a:bodyPr>
-            <a:lstStyle/>
-            <a:p>
-              <a:r>
-                <a:rPr kumimoji="1" lang="en-US" altLang="ko-KR" dirty="0">
-                  <a:solidFill>
-                    <a:srgbClr val="659859"/>
-                  </a:solidFill>
-                  <a:latin typeface="Nanum Gothic" charset="-127"/>
-                  <a:ea typeface="Nanum Gothic" charset="-127"/>
-                  <a:cs typeface="Nanum Gothic" charset="-127"/>
-                </a:rPr>
-                <a:t>Sub Title 3</a:t>
-              </a:r>
-              <a:endParaRPr kumimoji="1" lang="ko-KR" altLang="en-US" dirty="0">
-                <a:solidFill>
-                  <a:srgbClr val="659859"/>
-                </a:solidFill>
-                <a:latin typeface="Nanum Gothic" charset="-127"/>
-                <a:ea typeface="Nanum Gothic" charset="-127"/>
-                <a:cs typeface="Nanum Gothic" charset="-127"/>
-              </a:endParaRPr>
-            </a:p>
-          </p:txBody>
-        </p:sp>
-      </p:grpSp>
     </p:spTree>
     <p:extLst>
       <p:ext uri="{BB962C8B-B14F-4D97-AF65-F5344CB8AC3E}">
@@ -4208,7 +4177,7 @@
         <p:spPr>
           <a:xfrm>
             <a:off x="359779" y="882296"/>
-            <a:ext cx="3743332" cy="369332"/>
+            <a:ext cx="5686172" cy="369332"/>
           </a:xfrm>
           <a:prstGeom prst="rect">
             <a:avLst/>
@@ -4221,17 +4190,6 @@
           </a:bodyPr>
           <a:lstStyle/>
           <a:p>
-            <a:r>
-              <a:rPr kumimoji="1" lang="ko-KR" altLang="en-US" dirty="0" err="1">
-                <a:solidFill>
-                  <a:srgbClr val="659859"/>
-                </a:solidFill>
-                <a:latin typeface="Nanum Gothic" charset="-127"/>
-                <a:ea typeface="Nanum Gothic" charset="-127"/>
-                <a:cs typeface="Nanum Gothic" charset="-127"/>
-              </a:rPr>
-              <a:t>제주도하면</a:t>
-            </a:r>
             <a:r>
               <a:rPr kumimoji="1" lang="ko-KR" altLang="en-US" dirty="0">
                 <a:solidFill>
@@ -4241,11 +4199,314 @@
                 <a:ea typeface="Nanum Gothic" charset="-127"/>
                 <a:cs typeface="Nanum Gothic" charset="-127"/>
               </a:rPr>
-              <a:t> 생각나는 대표 과일 귤</a:t>
-            </a:r>
-          </a:p>
-        </p:txBody>
-      </p:sp>
+              <a:t>추운 겨울철  한번쯤은 생각나는 대표 과일 제주산 귤</a:t>
+            </a:r>
+          </a:p>
+        </p:txBody>
+      </p:sp>
+      <p:grpSp>
+        <p:nvGrpSpPr>
+          <p:cNvPr id="5" name="그룹 4">
+            <a:extLst>
+              <a:ext uri="{FF2B5EF4-FFF2-40B4-BE49-F238E27FC236}">
+                <a16:creationId xmlns:a16="http://schemas.microsoft.com/office/drawing/2014/main" id="{B4F809ED-2274-435F-82E6-F109E922E71D}"/>
+              </a:ext>
+            </a:extLst>
+          </p:cNvPr>
+          <p:cNvGrpSpPr/>
+          <p:nvPr/>
+        </p:nvGrpSpPr>
+        <p:grpSpPr>
+          <a:xfrm>
+            <a:off x="930442" y="1392121"/>
+            <a:ext cx="9914021" cy="4583583"/>
+            <a:chOff x="1845047" y="1769091"/>
+            <a:chExt cx="7910562" cy="4206613"/>
+          </a:xfrm>
+        </p:grpSpPr>
+        <p:pic>
+          <p:nvPicPr>
+            <p:cNvPr id="1026" name="Picture 2" descr="귤에 대한 이미지 검색결과">
+              <a:extLst>
+                <a:ext uri="{FF2B5EF4-FFF2-40B4-BE49-F238E27FC236}">
+                  <a16:creationId xmlns:a16="http://schemas.microsoft.com/office/drawing/2014/main" id="{96D280A7-834E-40E3-A6AC-51DADA4C1A1F}"/>
+                </a:ext>
+              </a:extLst>
+            </p:cNvPr>
+            <p:cNvPicPr>
+              <a:picLocks noChangeAspect="1" noChangeArrowheads="1"/>
+            </p:cNvPicPr>
+            <p:nvPr/>
+          </p:nvPicPr>
+          <p:blipFill>
+            <a:blip r:embed="rId3">
+              <a:extLst>
+                <a:ext uri="{28A0092B-C50C-407E-A947-70E740481C1C}">
+                  <a14:useLocalDpi xmlns:a14="http://schemas.microsoft.com/office/drawing/2010/main" val="0"/>
+                </a:ext>
+              </a:extLst>
+            </a:blip>
+            <a:srcRect/>
+            <a:stretch>
+              <a:fillRect/>
+            </a:stretch>
+          </p:blipFill>
+          <p:spPr bwMode="auto">
+            <a:xfrm>
+              <a:off x="1845047" y="3977949"/>
+              <a:ext cx="2636854" cy="1997754"/>
+            </a:xfrm>
+            <a:prstGeom prst="rect">
+              <a:avLst/>
+            </a:prstGeom>
+            <a:noFill/>
+            <a:extLst>
+              <a:ext uri="{909E8E84-426E-40DD-AFC4-6F175D3DCCD1}">
+                <a14:hiddenFill xmlns:a14="http://schemas.microsoft.com/office/drawing/2010/main">
+                  <a:solidFill>
+                    <a:srgbClr val="FFFFFF"/>
+                  </a:solidFill>
+                </a14:hiddenFill>
+              </a:ext>
+            </a:extLst>
+          </p:spPr>
+        </p:pic>
+        <p:pic>
+          <p:nvPicPr>
+            <p:cNvPr id="1028" name="Picture 4" descr="귤에 대한 이미지 검색결과">
+              <a:extLst>
+                <a:ext uri="{FF2B5EF4-FFF2-40B4-BE49-F238E27FC236}">
+                  <a16:creationId xmlns:a16="http://schemas.microsoft.com/office/drawing/2014/main" id="{7BD08F45-032C-478E-845B-4A5F01EA74D4}"/>
+                </a:ext>
+              </a:extLst>
+            </p:cNvPr>
+            <p:cNvPicPr>
+              <a:picLocks noChangeAspect="1" noChangeArrowheads="1"/>
+            </p:cNvPicPr>
+            <p:nvPr/>
+          </p:nvPicPr>
+          <p:blipFill>
+            <a:blip r:embed="rId4">
+              <a:extLst>
+                <a:ext uri="{28A0092B-C50C-407E-A947-70E740481C1C}">
+                  <a14:useLocalDpi xmlns:a14="http://schemas.microsoft.com/office/drawing/2010/main" val="0"/>
+                </a:ext>
+              </a:extLst>
+            </a:blip>
+            <a:srcRect/>
+            <a:stretch>
+              <a:fillRect/>
+            </a:stretch>
+          </p:blipFill>
+          <p:spPr bwMode="auto">
+            <a:xfrm>
+              <a:off x="4481901" y="3977950"/>
+              <a:ext cx="2636854" cy="1997754"/>
+            </a:xfrm>
+            <a:prstGeom prst="rect">
+              <a:avLst/>
+            </a:prstGeom>
+            <a:noFill/>
+            <a:extLst>
+              <a:ext uri="{909E8E84-426E-40DD-AFC4-6F175D3DCCD1}">
+                <a14:hiddenFill xmlns:a14="http://schemas.microsoft.com/office/drawing/2010/main">
+                  <a:solidFill>
+                    <a:srgbClr val="FFFFFF"/>
+                  </a:solidFill>
+                </a14:hiddenFill>
+              </a:ext>
+            </a:extLst>
+          </p:spPr>
+        </p:pic>
+        <p:pic>
+          <p:nvPicPr>
+            <p:cNvPr id="1030" name="Picture 6" descr="귤에 대한 이미지 검색결과">
+              <a:extLst>
+                <a:ext uri="{FF2B5EF4-FFF2-40B4-BE49-F238E27FC236}">
+                  <a16:creationId xmlns:a16="http://schemas.microsoft.com/office/drawing/2014/main" id="{22D04729-6818-45A4-898E-FF74588C040E}"/>
+                </a:ext>
+              </a:extLst>
+            </p:cNvPr>
+            <p:cNvPicPr>
+              <a:picLocks noChangeAspect="1" noChangeArrowheads="1"/>
+            </p:cNvPicPr>
+            <p:nvPr/>
+          </p:nvPicPr>
+          <p:blipFill>
+            <a:blip r:embed="rId5">
+              <a:extLst>
+                <a:ext uri="{28A0092B-C50C-407E-A947-70E740481C1C}">
+                  <a14:useLocalDpi xmlns:a14="http://schemas.microsoft.com/office/drawing/2010/main" val="0"/>
+                </a:ext>
+              </a:extLst>
+            </a:blip>
+            <a:srcRect/>
+            <a:stretch>
+              <a:fillRect/>
+            </a:stretch>
+          </p:blipFill>
+          <p:spPr bwMode="auto">
+            <a:xfrm>
+              <a:off x="7118755" y="3977950"/>
+              <a:ext cx="2636854" cy="1997754"/>
+            </a:xfrm>
+            <a:prstGeom prst="rect">
+              <a:avLst/>
+            </a:prstGeom>
+            <a:noFill/>
+            <a:extLst>
+              <a:ext uri="{909E8E84-426E-40DD-AFC4-6F175D3DCCD1}">
+                <a14:hiddenFill xmlns:a14="http://schemas.microsoft.com/office/drawing/2010/main">
+                  <a:solidFill>
+                    <a:srgbClr val="FFFFFF"/>
+                  </a:solidFill>
+                </a14:hiddenFill>
+              </a:ext>
+            </a:extLst>
+          </p:spPr>
+        </p:pic>
+        <p:pic>
+          <p:nvPicPr>
+            <p:cNvPr id="1032" name="Picture 8" descr="귤에 대한 이미지 검색결과">
+              <a:extLst>
+                <a:ext uri="{FF2B5EF4-FFF2-40B4-BE49-F238E27FC236}">
+                  <a16:creationId xmlns:a16="http://schemas.microsoft.com/office/drawing/2014/main" id="{9A5D6595-F8D7-47C8-A678-2AEA07728364}"/>
+                </a:ext>
+              </a:extLst>
+            </p:cNvPr>
+            <p:cNvPicPr>
+              <a:picLocks noChangeAspect="1" noChangeArrowheads="1"/>
+            </p:cNvPicPr>
+            <p:nvPr/>
+          </p:nvPicPr>
+          <p:blipFill>
+            <a:blip r:embed="rId6">
+              <a:extLst>
+                <a:ext uri="{28A0092B-C50C-407E-A947-70E740481C1C}">
+                  <a14:useLocalDpi xmlns:a14="http://schemas.microsoft.com/office/drawing/2010/main" val="0"/>
+                </a:ext>
+              </a:extLst>
+            </a:blip>
+            <a:srcRect/>
+            <a:stretch>
+              <a:fillRect/>
+            </a:stretch>
+          </p:blipFill>
+          <p:spPr bwMode="auto">
+            <a:xfrm>
+              <a:off x="1845047" y="1769091"/>
+              <a:ext cx="2636854" cy="2208857"/>
+            </a:xfrm>
+            <a:prstGeom prst="rect">
+              <a:avLst/>
+            </a:prstGeom>
+            <a:noFill/>
+            <a:extLst>
+              <a:ext uri="{909E8E84-426E-40DD-AFC4-6F175D3DCCD1}">
+                <a14:hiddenFill xmlns:a14="http://schemas.microsoft.com/office/drawing/2010/main">
+                  <a:solidFill>
+                    <a:srgbClr val="FFFFFF"/>
+                  </a:solidFill>
+                </a14:hiddenFill>
+              </a:ext>
+            </a:extLst>
+          </p:spPr>
+        </p:pic>
+        <p:pic>
+          <p:nvPicPr>
+            <p:cNvPr id="1034" name="Picture 10" descr="귤에 대한 이미지 검색결과">
+              <a:extLst>
+                <a:ext uri="{FF2B5EF4-FFF2-40B4-BE49-F238E27FC236}">
+                  <a16:creationId xmlns:a16="http://schemas.microsoft.com/office/drawing/2014/main" id="{D581628C-50E7-4A38-94DA-D0C866AAA769}"/>
+                </a:ext>
+              </a:extLst>
+            </p:cNvPr>
+            <p:cNvPicPr>
+              <a:picLocks noChangeAspect="1" noChangeArrowheads="1"/>
+            </p:cNvPicPr>
+            <p:nvPr/>
+          </p:nvPicPr>
+          <p:blipFill>
+            <a:blip r:embed="rId7">
+              <a:extLst>
+                <a:ext uri="{28A0092B-C50C-407E-A947-70E740481C1C}">
+                  <a14:useLocalDpi xmlns:a14="http://schemas.microsoft.com/office/drawing/2010/main" val="0"/>
+                </a:ext>
+              </a:extLst>
+            </a:blip>
+            <a:srcRect/>
+            <a:stretch>
+              <a:fillRect/>
+            </a:stretch>
+          </p:blipFill>
+          <p:spPr bwMode="auto">
+            <a:xfrm>
+              <a:off x="4481901" y="1769091"/>
+              <a:ext cx="2636854" cy="2208859"/>
+            </a:xfrm>
+            <a:prstGeom prst="rect">
+              <a:avLst/>
+            </a:prstGeom>
+            <a:noFill/>
+            <a:extLst>
+              <a:ext uri="{909E8E84-426E-40DD-AFC4-6F175D3DCCD1}">
+                <a14:hiddenFill xmlns:a14="http://schemas.microsoft.com/office/drawing/2010/main">
+                  <a:solidFill>
+                    <a:srgbClr val="FFFFFF"/>
+                  </a:solidFill>
+                </a14:hiddenFill>
+              </a:ext>
+            </a:extLst>
+          </p:spPr>
+        </p:pic>
+        <p:pic>
+          <p:nvPicPr>
+            <p:cNvPr id="1036" name="Picture 12" descr="귤에 대한 이미지 검색결과">
+              <a:extLst>
+                <a:ext uri="{FF2B5EF4-FFF2-40B4-BE49-F238E27FC236}">
+                  <a16:creationId xmlns:a16="http://schemas.microsoft.com/office/drawing/2014/main" id="{D0494FE8-6F6F-4BFE-ACE9-BB5E0591849B}"/>
+                </a:ext>
+              </a:extLst>
+            </p:cNvPr>
+            <p:cNvPicPr>
+              <a:picLocks noChangeAspect="1" noChangeArrowheads="1"/>
+            </p:cNvPicPr>
+            <p:nvPr/>
+          </p:nvPicPr>
+          <p:blipFill>
+            <a:blip r:embed="rId8">
+              <a:extLst>
+                <a:ext uri="{28A0092B-C50C-407E-A947-70E740481C1C}">
+                  <a14:useLocalDpi xmlns:a14="http://schemas.microsoft.com/office/drawing/2010/main" val="0"/>
+                </a:ext>
+              </a:extLst>
+            </a:blip>
+            <a:srcRect/>
+            <a:stretch>
+              <a:fillRect/>
+            </a:stretch>
+          </p:blipFill>
+          <p:spPr bwMode="auto">
+            <a:xfrm>
+              <a:off x="7118755" y="1769091"/>
+              <a:ext cx="2636854" cy="2208857"/>
+            </a:xfrm>
+            <a:prstGeom prst="rect">
+              <a:avLst/>
+            </a:prstGeom>
+            <a:noFill/>
+            <a:extLst>
+              <a:ext uri="{909E8E84-426E-40DD-AFC4-6F175D3DCCD1}">
+                <a14:hiddenFill xmlns:a14="http://schemas.microsoft.com/office/drawing/2010/main">
+                  <a:solidFill>
+                    <a:srgbClr val="FFFFFF"/>
+                  </a:solidFill>
+                </a14:hiddenFill>
+              </a:ext>
+            </a:extLst>
+          </p:spPr>
+        </p:pic>
+      </p:grpSp>
     </p:spTree>
     <p:extLst>
       <p:ext uri="{BB962C8B-B14F-4D97-AF65-F5344CB8AC3E}">
@@ -4362,7 +4623,7 @@
         <p:spPr>
           <a:xfrm>
             <a:off x="359779" y="882296"/>
-            <a:ext cx="3743332" cy="369332"/>
+            <a:ext cx="6415539" cy="369332"/>
           </a:xfrm>
           <a:prstGeom prst="rect">
             <a:avLst/>
@@ -4375,17 +4636,6 @@
           </a:bodyPr>
           <a:lstStyle/>
           <a:p>
-            <a:r>
-              <a:rPr kumimoji="1" lang="ko-KR" altLang="en-US" dirty="0" err="1">
-                <a:solidFill>
-                  <a:srgbClr val="659859"/>
-                </a:solidFill>
-                <a:latin typeface="Nanum Gothic" charset="-127"/>
-                <a:ea typeface="Nanum Gothic" charset="-127"/>
-                <a:cs typeface="Nanum Gothic" charset="-127"/>
-              </a:rPr>
-              <a:t>제주도하면</a:t>
-            </a:r>
             <a:r>
               <a:rPr kumimoji="1" lang="ko-KR" altLang="en-US" dirty="0">
                 <a:solidFill>
@@ -4395,11 +4645,124 @@
                 <a:ea typeface="Nanum Gothic" charset="-127"/>
                 <a:cs typeface="Nanum Gothic" charset="-127"/>
               </a:rPr>
-              <a:t> 생각나는 대표 과일 귤</a:t>
-            </a:r>
-          </a:p>
-        </p:txBody>
-      </p:sp>
+              <a:t>제주도민에게 귤이란 삶의 터전이자 제주산업의 중심입니다</a:t>
+            </a:r>
+            <a:r>
+              <a:rPr kumimoji="1" lang="en-US" altLang="ko-KR" dirty="0">
+                <a:solidFill>
+                  <a:srgbClr val="659859"/>
+                </a:solidFill>
+                <a:latin typeface="Nanum Gothic" charset="-127"/>
+                <a:ea typeface="Nanum Gothic" charset="-127"/>
+                <a:cs typeface="Nanum Gothic" charset="-127"/>
+              </a:rPr>
+              <a:t>.</a:t>
+            </a:r>
+            <a:endParaRPr kumimoji="1" lang="ko-KR" altLang="en-US" dirty="0">
+              <a:solidFill>
+                <a:srgbClr val="659859"/>
+              </a:solidFill>
+              <a:latin typeface="Nanum Gothic" charset="-127"/>
+              <a:ea typeface="Nanum Gothic" charset="-127"/>
+              <a:cs typeface="Nanum Gothic" charset="-127"/>
+            </a:endParaRPr>
+          </a:p>
+        </p:txBody>
+      </p:sp>
+      <p:pic>
+        <p:nvPicPr>
+          <p:cNvPr id="2050" name="Picture 2" descr="귤 농사에 대한 이미지 검색결과">
+            <a:extLst>
+              <a:ext uri="{FF2B5EF4-FFF2-40B4-BE49-F238E27FC236}">
+                <a16:creationId xmlns:a16="http://schemas.microsoft.com/office/drawing/2014/main" id="{1F378B32-FE06-46AC-BE89-4B51E51AEC2E}"/>
+              </a:ext>
+            </a:extLst>
+          </p:cNvPr>
+          <p:cNvPicPr>
+            <a:picLocks noChangeAspect="1" noChangeArrowheads="1"/>
+          </p:cNvPicPr>
+          <p:nvPr/>
+        </p:nvPicPr>
+        <p:blipFill>
+          <a:blip r:embed="rId3">
+            <a:extLst>
+              <a:ext uri="{28A0092B-C50C-407E-A947-70E740481C1C}">
+                <a14:useLocalDpi xmlns:a14="http://schemas.microsoft.com/office/drawing/2010/main" val="0"/>
+              </a:ext>
+            </a:extLst>
+          </a:blip>
+          <a:srcRect/>
+          <a:stretch>
+            <a:fillRect/>
+          </a:stretch>
+        </p:blipFill>
+        <p:spPr bwMode="auto">
+          <a:xfrm>
+            <a:off x="695075" y="1421731"/>
+            <a:ext cx="5400925" cy="4553973"/>
+          </a:xfrm>
+          <a:prstGeom prst="rect">
+            <a:avLst/>
+          </a:prstGeom>
+          <a:noFill/>
+          <a:extLst>
+            <a:ext uri="{909E8E84-426E-40DD-AFC4-6F175D3DCCD1}">
+              <a14:hiddenFill xmlns:a14="http://schemas.microsoft.com/office/drawing/2010/main">
+                <a:solidFill>
+                  <a:srgbClr val="FFFFFF"/>
+                </a:solidFill>
+              </a14:hiddenFill>
+            </a:ext>
+          </a:extLst>
+        </p:spPr>
+      </p:pic>
+      <p:pic>
+        <p:nvPicPr>
+          <p:cNvPr id="2052" name="Picture 4" descr="귤 농사에 대한 이미지 검색결과">
+            <a:extLst>
+              <a:ext uri="{FF2B5EF4-FFF2-40B4-BE49-F238E27FC236}">
+                <a16:creationId xmlns:a16="http://schemas.microsoft.com/office/drawing/2014/main" id="{1D43EDA5-8451-4240-96A8-614676C9B6EF}"/>
+              </a:ext>
+            </a:extLst>
+          </p:cNvPr>
+          <p:cNvPicPr>
+            <a:picLocks noChangeAspect="1" noChangeArrowheads="1"/>
+          </p:cNvPicPr>
+          <p:nvPr/>
+        </p:nvPicPr>
+        <p:blipFill>
+          <a:blip r:embed="rId4">
+            <a:extLst>
+              <a:ext uri="{28A0092B-C50C-407E-A947-70E740481C1C}">
+                <a14:useLocalDpi xmlns:a14="http://schemas.microsoft.com/office/drawing/2010/main" val="0"/>
+              </a:ext>
+            </a:extLst>
+          </a:blip>
+          <a:srcRect/>
+          <a:stretch>
+            <a:fillRect/>
+          </a:stretch>
+        </p:blipFill>
+        <p:spPr bwMode="auto">
+          <a:xfrm>
+            <a:off x="6096000" y="1421731"/>
+            <a:ext cx="5689183" cy="4553973"/>
+          </a:xfrm>
+          <a:prstGeom prst="rect">
+            <a:avLst/>
+          </a:prstGeom>
+          <a:noFill/>
+          <a:extLst>
+            <a:ext uri="{909E8E84-426E-40DD-AFC4-6F175D3DCCD1}">
+              <a14:hiddenFill xmlns:a14="http://schemas.microsoft.com/office/drawing/2010/main">
+                <a:solidFill>
+                  <a:srgbClr val="FFFFFF"/>
+                </a:solidFill>
+              </a14:hiddenFill>
+            </a:ext>
+          </a:extLst>
+        </p:spPr>
+      </p:pic>
     </p:spTree>
     <p:extLst>
       <p:ext uri="{BB962C8B-B14F-4D97-AF65-F5344CB8AC3E}">
@@ -4515,8 +4878,8 @@
         </p:nvSpPr>
         <p:spPr>
           <a:xfrm>
-            <a:off x="359779" y="882296"/>
-            <a:ext cx="4435830" cy="369332"/>
+            <a:off x="327056" y="931160"/>
+            <a:ext cx="6593472" cy="369332"/>
           </a:xfrm>
           <a:prstGeom prst="rect">
             <a:avLst/>
@@ -4538,75 +4901,185 @@
                 <a:ea typeface="Nanum Gothic" charset="-127"/>
                 <a:cs typeface="Nanum Gothic" charset="-127"/>
               </a:rPr>
-              <a:t>과잉공급으로 인한 버려지는 아까운 귤들</a:t>
-            </a:r>
-          </a:p>
-        </p:txBody>
-      </p:sp>
-      <p:pic>
-        <p:nvPicPr>
-          <p:cNvPr id="6" name="그림 5">
+              <a:t>실제로도 제주도는 전체 산업 중 농업이 차지하는 비율이 </a:t>
+            </a:r>
+            <a:r>
+              <a:rPr kumimoji="1" lang="en-US" altLang="ko-KR" dirty="0">
+                <a:solidFill>
+                  <a:srgbClr val="659859"/>
+                </a:solidFill>
+                <a:latin typeface="Nanum Gothic" charset="-127"/>
+                <a:ea typeface="Nanum Gothic" charset="-127"/>
+                <a:cs typeface="Nanum Gothic" charset="-127"/>
+              </a:rPr>
+              <a:t>27%</a:t>
+            </a:r>
+            <a:endParaRPr kumimoji="1" lang="ko-KR" altLang="en-US" dirty="0">
+              <a:solidFill>
+                <a:srgbClr val="659859"/>
+              </a:solidFill>
+              <a:latin typeface="Nanum Gothic" charset="-127"/>
+              <a:ea typeface="Nanum Gothic" charset="-127"/>
+              <a:cs typeface="Nanum Gothic" charset="-127"/>
+            </a:endParaRPr>
+          </a:p>
+        </p:txBody>
+      </p:sp>
+      <p:sp>
+        <p:nvSpPr>
+          <p:cNvPr id="5" name="TextBox 4">
             <a:extLst>
               <a:ext uri="{FF2B5EF4-FFF2-40B4-BE49-F238E27FC236}">
-                <a16:creationId xmlns:a16="http://schemas.microsoft.com/office/drawing/2014/main" id="{899DC6FC-CFB6-4398-ABF3-FFB5EC4D9A2C}"/>
+                <a16:creationId xmlns:a16="http://schemas.microsoft.com/office/drawing/2014/main" id="{DC911938-BDD4-48FE-91B4-823EE14B4E4E}"/>
               </a:ext>
             </a:extLst>
           </p:cNvPr>
-          <p:cNvPicPr>
-            <a:picLocks noChangeAspect="1"/>
-          </p:cNvPicPr>
+          <p:cNvSpPr txBox="1"/>
           <p:nvPr/>
-        </p:nvPicPr>
-        <p:blipFill>
-          <a:blip r:embed="rId3"/>
-          <a:stretch>
-            <a:fillRect/>
-          </a:stretch>
-        </p:blipFill>
-        <p:spPr>
-          <a:xfrm>
-            <a:off x="359780" y="1449040"/>
-            <a:ext cx="5472850" cy="4827473"/>
+        </p:nvSpPr>
+        <p:spPr>
+          <a:xfrm>
+            <a:off x="850233" y="2855495"/>
+            <a:ext cx="28667242" cy="1754326"/>
           </a:xfrm>
           <a:prstGeom prst="rect">
             <a:avLst/>
           </a:prstGeom>
-        </p:spPr>
-      </p:pic>
-      <p:pic>
-        <p:nvPicPr>
-          <p:cNvPr id="8" name="그림 7">
-            <a:extLst>
-              <a:ext uri="{FF2B5EF4-FFF2-40B4-BE49-F238E27FC236}">
-                <a16:creationId xmlns:a16="http://schemas.microsoft.com/office/drawing/2014/main" id="{210D4040-DEF4-4369-8024-3F6B8936917B}"/>
-              </a:ext>
-            </a:extLst>
-          </p:cNvPr>
-          <p:cNvPicPr>
-            <a:picLocks noChangeAspect="1"/>
-          </p:cNvPicPr>
-          <p:nvPr/>
-        </p:nvPicPr>
-        <p:blipFill>
-          <a:blip r:embed="rId4"/>
-          <a:stretch>
-            <a:fillRect/>
-          </a:stretch>
-        </p:blipFill>
-        <p:spPr>
-          <a:xfrm>
-            <a:off x="6105513" y="1449040"/>
-            <a:ext cx="5472850" cy="4827473"/>
-          </a:xfrm>
-          <a:prstGeom prst="rect">
-            <a:avLst/>
-          </a:prstGeom>
-        </p:spPr>
-      </p:pic>
+          <a:noFill/>
+        </p:spPr>
+        <p:txBody>
+          <a:bodyPr wrap="square" rtlCol="0">
+            <a:spAutoFit/>
+          </a:bodyPr>
+          <a:lstStyle/>
+          <a:p>
+            <a:r>
+              <a:rPr lang="ko-KR" altLang="en-US" dirty="0"/>
+              <a:t>제주지역 총생산</a:t>
+            </a:r>
+            <a:r>
+              <a:rPr lang="en-US" altLang="ko-KR" dirty="0"/>
+              <a:t>(GRDP)</a:t>
+            </a:r>
+            <a:r>
+              <a:rPr lang="ko-KR" altLang="en-US" dirty="0"/>
+              <a:t>이 국내총생산에서 차 지하는 비중은 </a:t>
+            </a:r>
+            <a:r>
+              <a:rPr lang="en-US" altLang="ko-KR" dirty="0"/>
+              <a:t>1% </a:t>
+            </a:r>
+          </a:p>
+          <a:p>
+            <a:r>
+              <a:rPr lang="ko-KR" altLang="en-US" dirty="0"/>
+              <a:t>수준에 불과하지만</a:t>
+            </a:r>
+            <a:r>
+              <a:rPr lang="en-US" altLang="ko-KR" dirty="0"/>
+              <a:t>, </a:t>
+            </a:r>
+            <a:r>
+              <a:rPr lang="ko-KR" altLang="en-US" dirty="0"/>
+              <a:t>제주 지역의 채소류</a:t>
+            </a:r>
+            <a:r>
+              <a:rPr lang="en-US" altLang="ko-KR" dirty="0"/>
+              <a:t>, </a:t>
+            </a:r>
+            <a:r>
+              <a:rPr lang="ko-KR" altLang="en-US" dirty="0" err="1"/>
+              <a:t>과실류</a:t>
+            </a:r>
+            <a:r>
+              <a:rPr lang="ko-KR" altLang="en-US" dirty="0"/>
+              <a:t> 생산량 등은 </a:t>
+            </a:r>
+            <a:endParaRPr lang="en-US" altLang="ko-KR" dirty="0"/>
+          </a:p>
+          <a:p>
+            <a:r>
+              <a:rPr lang="ko-KR" altLang="en-US" dirty="0"/>
+              <a:t>우리나라 전체 산출량에서 높은 비중을 차지하고 있다</a:t>
+            </a:r>
+            <a:r>
+              <a:rPr lang="en-US" altLang="ko-KR" dirty="0"/>
+              <a:t>. </a:t>
+            </a:r>
+            <a:r>
+              <a:rPr lang="ko-KR" altLang="en-US" dirty="0"/>
+              <a:t>채소생산량이 </a:t>
+            </a:r>
+            <a:endParaRPr lang="en-US" altLang="ko-KR" dirty="0"/>
+          </a:p>
+          <a:p>
+            <a:r>
+              <a:rPr lang="ko-KR" altLang="en-US" dirty="0"/>
+              <a:t>전국에서 차지하는 비중은 </a:t>
+            </a:r>
+            <a:r>
+              <a:rPr lang="en-US" altLang="ko-KR" dirty="0"/>
+              <a:t>7.7% </a:t>
+            </a:r>
+            <a:r>
+              <a:rPr lang="ko-KR" altLang="en-US" dirty="0"/>
+              <a:t>이며</a:t>
+            </a:r>
+            <a:r>
+              <a:rPr lang="en-US" altLang="ko-KR" dirty="0"/>
+              <a:t>, </a:t>
+            </a:r>
+            <a:r>
+              <a:rPr lang="ko-KR" altLang="en-US" dirty="0"/>
+              <a:t>특히 양배추생산량 </a:t>
+            </a:r>
+            <a:r>
+              <a:rPr lang="en-US" altLang="ko-KR" dirty="0"/>
+              <a:t>32.9%, </a:t>
+            </a:r>
+            <a:r>
+              <a:rPr lang="ko-KR" altLang="en-US" dirty="0"/>
+              <a:t>당근 생산량 </a:t>
+            </a:r>
+            <a:r>
+              <a:rPr lang="en-US" altLang="ko-KR" dirty="0"/>
+              <a:t>45.9%, </a:t>
+            </a:r>
+          </a:p>
+          <a:p>
+            <a:r>
+              <a:rPr lang="ko-KR" altLang="en-US" dirty="0"/>
+              <a:t>무 생산량은 </a:t>
+            </a:r>
+            <a:r>
+              <a:rPr lang="en-US" altLang="ko-KR" dirty="0"/>
+              <a:t>25.6%</a:t>
+            </a:r>
+            <a:r>
+              <a:rPr lang="ko-KR" altLang="en-US" dirty="0"/>
+              <a:t>에 달한다</a:t>
+            </a:r>
+            <a:r>
+              <a:rPr lang="en-US" altLang="ko-KR" dirty="0"/>
+              <a:t>. </a:t>
+            </a:r>
+          </a:p>
+          <a:p>
+            <a:r>
+              <a:rPr lang="ko-KR" altLang="en-US" dirty="0"/>
+              <a:t>한편 감귤생산량은 </a:t>
+            </a:r>
+            <a:r>
+              <a:rPr lang="en-US" altLang="ko-KR"/>
+              <a:t>99.8%</a:t>
+            </a:r>
+          </a:p>
+        </p:txBody>
+      </p:sp>
     </p:spTree>
     <p:extLst>
       <p:ext uri="{BB962C8B-B14F-4D97-AF65-F5344CB8AC3E}">
-        <p14:creationId xmlns:p14="http://schemas.microsoft.com/office/powerpoint/2010/main" val="1947742333"/>
+        <p14:creationId xmlns:p14="http://schemas.microsoft.com/office/powerpoint/2010/main" val="1752213473"/>
       </p:ext>
     </p:extLst>
   </p:cSld>
@@ -4653,8 +5126,8 @@
         </p:nvSpPr>
         <p:spPr>
           <a:xfrm>
-            <a:off x="134333" y="235965"/>
-            <a:ext cx="2943434" cy="1015663"/>
+            <a:off x="218693" y="210060"/>
+            <a:ext cx="1980029" cy="630942"/>
           </a:xfrm>
           <a:prstGeom prst="rect">
             <a:avLst/>
@@ -4668,7 +5141,7 @@
           <a:lstStyle/>
           <a:p>
             <a:r>
-              <a:rPr kumimoji="1" lang="en-US" altLang="ko-KR" sz="6000" dirty="0">
+              <a:rPr kumimoji="1" lang="ko-KR" altLang="en-US" sz="3500" dirty="0">
                 <a:solidFill>
                   <a:srgbClr val="768149"/>
                 </a:solidFill>
@@ -4676,16 +5149,8 @@
                 <a:ea typeface="Giddyup Std" charset="0"/>
                 <a:cs typeface="Giddyup Std" charset="0"/>
               </a:rPr>
-              <a:t>PPT Icons</a:t>
-            </a:r>
-            <a:endParaRPr kumimoji="1" lang="ko-KR" altLang="en-US" sz="6000" dirty="0">
-              <a:solidFill>
-                <a:srgbClr val="768149"/>
-              </a:solidFill>
-              <a:latin typeface="Giddyup Std" charset="0"/>
-              <a:ea typeface="Giddyup Std" charset="0"/>
-              <a:cs typeface="Giddyup Std" charset="0"/>
-            </a:endParaRPr>
+              <a:t>문제정의</a:t>
+            </a:r>
           </a:p>
         </p:txBody>
       </p:sp>
@@ -4710,7 +5175,7 @@
         </p:blipFill>
         <p:spPr>
           <a:xfrm rot="1103447">
-            <a:off x="2953368" y="222009"/>
+            <a:off x="1946095" y="179265"/>
             <a:ext cx="699686" cy="753829"/>
           </a:xfrm>
           <a:prstGeom prst="rect">
@@ -4726,8 +5191,8 @@
         </p:nvSpPr>
         <p:spPr>
           <a:xfrm>
-            <a:off x="213475" y="931064"/>
-            <a:ext cx="3675750" cy="369332"/>
+            <a:off x="524125" y="890526"/>
+            <a:ext cx="7545054" cy="369332"/>
           </a:xfrm>
           <a:prstGeom prst="rect">
             <a:avLst/>
@@ -4735,13 +5200,13 @@
           <a:noFill/>
         </p:spPr>
         <p:txBody>
-          <a:bodyPr wrap="none" rtlCol="0">
+          <a:bodyPr wrap="square" rtlCol="0">
             <a:spAutoFit/>
           </a:bodyPr>
           <a:lstStyle/>
           <a:p>
             <a:r>
-              <a:rPr kumimoji="1" lang="en-US" altLang="ko-KR" dirty="0">
+              <a:rPr kumimoji="1" lang="ko-KR" altLang="en-US" dirty="0">
                 <a:solidFill>
                   <a:srgbClr val="659859"/>
                 </a:solidFill>
@@ -4749,382 +5214,160 @@
                 <a:ea typeface="Nanum Gothic" charset="-127"/>
                 <a:cs typeface="Nanum Gothic" charset="-127"/>
               </a:rPr>
-              <a:t>For Your Wonderful Presentation</a:t>
-            </a:r>
-            <a:endParaRPr kumimoji="1" lang="ko-KR" altLang="en-US" dirty="0">
-              <a:solidFill>
-                <a:srgbClr val="659859"/>
-              </a:solidFill>
-              <a:latin typeface="Nanum Gothic" charset="-127"/>
-              <a:ea typeface="Nanum Gothic" charset="-127"/>
-              <a:cs typeface="Nanum Gothic" charset="-127"/>
-            </a:endParaRPr>
-          </a:p>
-        </p:txBody>
-      </p:sp>
-      <p:pic>
-        <p:nvPicPr>
-          <p:cNvPr id="5" name="그림 4"/>
-          <p:cNvPicPr>
-            <a:picLocks noChangeAspect="1"/>
-          </p:cNvPicPr>
-          <p:nvPr/>
-        </p:nvPicPr>
-        <p:blipFill rotWithShape="1">
-          <a:blip r:embed="rId2">
+              <a:t>그런데 최근 감귤가격이 폭락하면서 화난 농민들 </a:t>
+            </a:r>
+          </a:p>
+        </p:txBody>
+      </p:sp>
+      <p:grpSp>
+        <p:nvGrpSpPr>
+          <p:cNvPr id="9" name="그룹 8">
             <a:extLst>
-              <a:ext uri="{28A0092B-C50C-407E-A947-70E740481C1C}">
-                <a14:useLocalDpi xmlns:a14="http://schemas.microsoft.com/office/drawing/2010/main" val="0"/>
+              <a:ext uri="{FF2B5EF4-FFF2-40B4-BE49-F238E27FC236}">
+                <a16:creationId xmlns:a16="http://schemas.microsoft.com/office/drawing/2014/main" id="{EBDCA4EB-6C2D-48F9-8C29-28C9ED838075}"/>
               </a:ext>
             </a:extLst>
-          </a:blip>
-          <a:srcRect l="34261" t="9874" r="38636" b="36450"/>
-          <a:stretch/>
-        </p:blipFill>
-        <p:spPr>
-          <a:xfrm>
-            <a:off x="2328056" y="2085492"/>
-            <a:ext cx="2538312" cy="2828544"/>
-          </a:xfrm>
-          <a:prstGeom prst="rect">
-            <a:avLst/>
-          </a:prstGeom>
-        </p:spPr>
-      </p:pic>
-      <p:pic>
-        <p:nvPicPr>
-          <p:cNvPr id="6" name="그림 5"/>
-          <p:cNvPicPr>
-            <a:picLocks noChangeAspect="1"/>
-          </p:cNvPicPr>
+          </p:cNvPr>
+          <p:cNvGrpSpPr/>
           <p:nvPr/>
-        </p:nvPicPr>
-        <p:blipFill>
-          <a:blip r:embed="rId3">
+        </p:nvGrpSpPr>
+        <p:grpSpPr>
+          <a:xfrm>
+            <a:off x="363704" y="1309382"/>
+            <a:ext cx="11218696" cy="5246734"/>
+            <a:chOff x="524125" y="1401206"/>
+            <a:chExt cx="10689308" cy="5079805"/>
+          </a:xfrm>
+        </p:grpSpPr>
+        <p:pic>
+          <p:nvPicPr>
+            <p:cNvPr id="7" name="그림 6">
+              <a:extLst>
+                <a:ext uri="{FF2B5EF4-FFF2-40B4-BE49-F238E27FC236}">
+                  <a16:creationId xmlns:a16="http://schemas.microsoft.com/office/drawing/2014/main" id="{AB7EA044-3F2D-497B-AF53-BC22D5DB7918}"/>
+                </a:ext>
+              </a:extLst>
+            </p:cNvPr>
+            <p:cNvPicPr>
+              <a:picLocks noChangeAspect="1"/>
+            </p:cNvPicPr>
+            <p:nvPr/>
+          </p:nvPicPr>
+          <p:blipFill>
+            <a:blip r:embed="rId3"/>
+            <a:stretch>
+              <a:fillRect/>
+            </a:stretch>
+          </p:blipFill>
+          <p:spPr>
+            <a:xfrm>
+              <a:off x="524125" y="1401206"/>
+              <a:ext cx="5571875" cy="5079805"/>
+            </a:xfrm>
+            <a:prstGeom prst="rect">
+              <a:avLst/>
+            </a:prstGeom>
+          </p:spPr>
+        </p:pic>
+        <p:pic>
+          <p:nvPicPr>
+            <p:cNvPr id="3074" name="Picture 2" descr="감귤가격 성난 농민들에 대한 이미지 검색결과">
+              <a:extLst>
+                <a:ext uri="{FF2B5EF4-FFF2-40B4-BE49-F238E27FC236}">
+                  <a16:creationId xmlns:a16="http://schemas.microsoft.com/office/drawing/2014/main" id="{ABE222D5-C8FE-458A-8873-3FEC4CC6E739}"/>
+                </a:ext>
+              </a:extLst>
+            </p:cNvPr>
+            <p:cNvPicPr>
+              <a:picLocks noChangeAspect="1" noChangeArrowheads="1"/>
+            </p:cNvPicPr>
+            <p:nvPr/>
+          </p:nvPicPr>
+          <p:blipFill>
+            <a:blip r:embed="rId4">
+              <a:extLst>
+                <a:ext uri="{28A0092B-C50C-407E-A947-70E740481C1C}">
+                  <a14:useLocalDpi xmlns:a14="http://schemas.microsoft.com/office/drawing/2010/main" val="0"/>
+                </a:ext>
+              </a:extLst>
+            </a:blip>
+            <a:srcRect/>
+            <a:stretch>
+              <a:fillRect/>
+            </a:stretch>
+          </p:blipFill>
+          <p:spPr bwMode="auto">
+            <a:xfrm>
+              <a:off x="6096001" y="1401206"/>
+              <a:ext cx="5117432" cy="2506898"/>
+            </a:xfrm>
+            <a:prstGeom prst="rect">
+              <a:avLst/>
+            </a:prstGeom>
+            <a:noFill/>
             <a:extLst>
-              <a:ext uri="{28A0092B-C50C-407E-A947-70E740481C1C}">
-                <a14:useLocalDpi xmlns:a14="http://schemas.microsoft.com/office/drawing/2010/main" val="0"/>
+              <a:ext uri="{909E8E84-426E-40DD-AFC4-6F175D3DCCD1}">
+                <a14:hiddenFill xmlns:a14="http://schemas.microsoft.com/office/drawing/2010/main">
+                  <a:solidFill>
+                    <a:srgbClr val="FFFFFF"/>
+                  </a:solidFill>
+                </a14:hiddenFill>
               </a:ext>
             </a:extLst>
-          </a:blip>
-          <a:stretch>
-            <a:fillRect/>
-          </a:stretch>
-        </p:blipFill>
-        <p:spPr>
-          <a:xfrm>
-            <a:off x="3077767" y="5007469"/>
-            <a:ext cx="1957920" cy="1689071"/>
-          </a:xfrm>
-          <a:prstGeom prst="rect">
-            <a:avLst/>
-          </a:prstGeom>
-        </p:spPr>
-      </p:pic>
-      <p:pic>
-        <p:nvPicPr>
-          <p:cNvPr id="7" name="그림 6"/>
-          <p:cNvPicPr>
-            <a:picLocks noChangeAspect="1"/>
-          </p:cNvPicPr>
-          <p:nvPr/>
-        </p:nvPicPr>
-        <p:blipFill>
-          <a:blip r:embed="rId4">
+          </p:spPr>
+        </p:pic>
+        <p:pic>
+          <p:nvPicPr>
+            <p:cNvPr id="3076" name="Picture 4" descr="감귤가격 성난 농민들에 대한 이미지 검색결과">
+              <a:extLst>
+                <a:ext uri="{FF2B5EF4-FFF2-40B4-BE49-F238E27FC236}">
+                  <a16:creationId xmlns:a16="http://schemas.microsoft.com/office/drawing/2014/main" id="{CBADBC1B-C4D2-46E7-A8FA-7946DC16CC53}"/>
+                </a:ext>
+              </a:extLst>
+            </p:cNvPr>
+            <p:cNvPicPr>
+              <a:picLocks noChangeAspect="1" noChangeArrowheads="1"/>
+            </p:cNvPicPr>
+            <p:nvPr/>
+          </p:nvPicPr>
+          <p:blipFill>
+            <a:blip r:embed="rId5">
+              <a:extLst>
+                <a:ext uri="{28A0092B-C50C-407E-A947-70E740481C1C}">
+                  <a14:useLocalDpi xmlns:a14="http://schemas.microsoft.com/office/drawing/2010/main" val="0"/>
+                </a:ext>
+              </a:extLst>
+            </a:blip>
+            <a:srcRect/>
+            <a:stretch>
+              <a:fillRect/>
+            </a:stretch>
+          </p:blipFill>
+          <p:spPr bwMode="auto">
+            <a:xfrm>
+              <a:off x="6096000" y="3908104"/>
+              <a:ext cx="5117432" cy="2557552"/>
+            </a:xfrm>
+            <a:prstGeom prst="rect">
+              <a:avLst/>
+            </a:prstGeom>
+            <a:noFill/>
             <a:extLst>
-              <a:ext uri="{28A0092B-C50C-407E-A947-70E740481C1C}">
-                <a14:useLocalDpi xmlns:a14="http://schemas.microsoft.com/office/drawing/2010/main" val="0"/>
+              <a:ext uri="{909E8E84-426E-40DD-AFC4-6F175D3DCCD1}">
+                <a14:hiddenFill xmlns:a14="http://schemas.microsoft.com/office/drawing/2010/main">
+                  <a:solidFill>
+                    <a:srgbClr val="FFFFFF"/>
+                  </a:solidFill>
+                </a14:hiddenFill>
               </a:ext>
             </a:extLst>
-          </a:blip>
-          <a:stretch>
-            <a:fillRect/>
-          </a:stretch>
-        </p:blipFill>
-        <p:spPr>
-          <a:xfrm>
-            <a:off x="5284573" y="5007469"/>
-            <a:ext cx="1697921" cy="1607666"/>
-          </a:xfrm>
-          <a:prstGeom prst="rect">
-            <a:avLst/>
-          </a:prstGeom>
-        </p:spPr>
-      </p:pic>
-      <p:pic>
-        <p:nvPicPr>
-          <p:cNvPr id="8" name="그림 7"/>
-          <p:cNvPicPr>
-            <a:picLocks noChangeAspect="1"/>
-          </p:cNvPicPr>
-          <p:nvPr/>
-        </p:nvPicPr>
-        <p:blipFill>
-          <a:blip r:embed="rId5">
-            <a:extLst>
-              <a:ext uri="{28A0092B-C50C-407E-A947-70E740481C1C}">
-                <a14:useLocalDpi xmlns:a14="http://schemas.microsoft.com/office/drawing/2010/main" val="0"/>
-              </a:ext>
-            </a:extLst>
-          </a:blip>
-          <a:stretch>
-            <a:fillRect/>
-          </a:stretch>
-        </p:blipFill>
-        <p:spPr>
-          <a:xfrm>
-            <a:off x="7095463" y="5007469"/>
-            <a:ext cx="1682184" cy="1592765"/>
-          </a:xfrm>
-          <a:prstGeom prst="rect">
-            <a:avLst/>
-          </a:prstGeom>
-        </p:spPr>
-      </p:pic>
-      <p:pic>
-        <p:nvPicPr>
-          <p:cNvPr id="9" name="그림 8"/>
-          <p:cNvPicPr>
-            <a:picLocks noChangeAspect="1"/>
-          </p:cNvPicPr>
-          <p:nvPr/>
-        </p:nvPicPr>
-        <p:blipFill>
-          <a:blip r:embed="rId6">
-            <a:extLst>
-              <a:ext uri="{28A0092B-C50C-407E-A947-70E740481C1C}">
-                <a14:useLocalDpi xmlns:a14="http://schemas.microsoft.com/office/drawing/2010/main" val="0"/>
-              </a:ext>
-            </a:extLst>
-          </a:blip>
-          <a:stretch>
-            <a:fillRect/>
-          </a:stretch>
-        </p:blipFill>
-        <p:spPr>
-          <a:xfrm>
-            <a:off x="316230" y="4038145"/>
-            <a:ext cx="2316480" cy="2316480"/>
-          </a:xfrm>
-          <a:prstGeom prst="rect">
-            <a:avLst/>
-          </a:prstGeom>
-        </p:spPr>
-      </p:pic>
-      <p:pic>
-        <p:nvPicPr>
-          <p:cNvPr id="10" name="그림 9"/>
-          <p:cNvPicPr>
-            <a:picLocks noChangeAspect="1"/>
-          </p:cNvPicPr>
-          <p:nvPr/>
-        </p:nvPicPr>
-        <p:blipFill>
-          <a:blip r:embed="rId7">
-            <a:extLst>
-              <a:ext uri="{28A0092B-C50C-407E-A947-70E740481C1C}">
-                <a14:useLocalDpi xmlns:a14="http://schemas.microsoft.com/office/drawing/2010/main" val="0"/>
-              </a:ext>
-            </a:extLst>
-          </a:blip>
-          <a:stretch>
-            <a:fillRect/>
-          </a:stretch>
-        </p:blipFill>
-        <p:spPr>
-          <a:xfrm>
-            <a:off x="157424" y="1356708"/>
-            <a:ext cx="2920343" cy="2781279"/>
-          </a:xfrm>
-          <a:prstGeom prst="rect">
-            <a:avLst/>
-          </a:prstGeom>
-        </p:spPr>
-      </p:pic>
-      <p:pic>
-        <p:nvPicPr>
-          <p:cNvPr id="11" name="그림 10"/>
-          <p:cNvPicPr>
-            <a:picLocks noChangeAspect="1"/>
-          </p:cNvPicPr>
-          <p:nvPr/>
-        </p:nvPicPr>
-        <p:blipFill>
-          <a:blip r:embed="rId8">
-            <a:extLst>
-              <a:ext uri="{28A0092B-C50C-407E-A947-70E740481C1C}">
-                <a14:useLocalDpi xmlns:a14="http://schemas.microsoft.com/office/drawing/2010/main" val="0"/>
-              </a:ext>
-            </a:extLst>
-          </a:blip>
-          <a:stretch>
-            <a:fillRect/>
-          </a:stretch>
-        </p:blipFill>
-        <p:spPr>
-          <a:xfrm>
-            <a:off x="5332060" y="2711169"/>
-            <a:ext cx="1798667" cy="1577190"/>
-          </a:xfrm>
-          <a:prstGeom prst="rect">
-            <a:avLst/>
-          </a:prstGeom>
-        </p:spPr>
-      </p:pic>
-      <p:pic>
-        <p:nvPicPr>
-          <p:cNvPr id="12" name="그림 11"/>
-          <p:cNvPicPr>
-            <a:picLocks noChangeAspect="1"/>
-          </p:cNvPicPr>
-          <p:nvPr/>
-        </p:nvPicPr>
-        <p:blipFill>
-          <a:blip r:embed="rId9">
-            <a:extLst>
-              <a:ext uri="{28A0092B-C50C-407E-A947-70E740481C1C}">
-                <a14:useLocalDpi xmlns:a14="http://schemas.microsoft.com/office/drawing/2010/main" val="0"/>
-              </a:ext>
-            </a:extLst>
-          </a:blip>
-          <a:stretch>
-            <a:fillRect/>
-          </a:stretch>
-        </p:blipFill>
-        <p:spPr>
-          <a:xfrm>
-            <a:off x="6726988" y="2584196"/>
-            <a:ext cx="1835042" cy="1609085"/>
-          </a:xfrm>
-          <a:prstGeom prst="rect">
-            <a:avLst/>
-          </a:prstGeom>
-        </p:spPr>
-      </p:pic>
-      <p:pic>
-        <p:nvPicPr>
-          <p:cNvPr id="13" name="그림 12"/>
-          <p:cNvPicPr>
-            <a:picLocks noChangeAspect="1"/>
-          </p:cNvPicPr>
-          <p:nvPr/>
-        </p:nvPicPr>
-        <p:blipFill>
-          <a:blip r:embed="rId10">
-            <a:extLst>
-              <a:ext uri="{28A0092B-C50C-407E-A947-70E740481C1C}">
-                <a14:useLocalDpi xmlns:a14="http://schemas.microsoft.com/office/drawing/2010/main" val="0"/>
-              </a:ext>
-            </a:extLst>
-          </a:blip>
-          <a:stretch>
-            <a:fillRect/>
-          </a:stretch>
-        </p:blipFill>
-        <p:spPr>
-          <a:xfrm>
-            <a:off x="7800187" y="391620"/>
-            <a:ext cx="1004380" cy="2137282"/>
-          </a:xfrm>
-          <a:prstGeom prst="rect">
-            <a:avLst/>
-          </a:prstGeom>
-        </p:spPr>
-      </p:pic>
-      <p:pic>
-        <p:nvPicPr>
-          <p:cNvPr id="14" name="그림 13"/>
-          <p:cNvPicPr>
-            <a:picLocks noChangeAspect="1"/>
-          </p:cNvPicPr>
-          <p:nvPr/>
-        </p:nvPicPr>
-        <p:blipFill>
-          <a:blip r:embed="rId11">
-            <a:extLst>
-              <a:ext uri="{28A0092B-C50C-407E-A947-70E740481C1C}">
-                <a14:useLocalDpi xmlns:a14="http://schemas.microsoft.com/office/drawing/2010/main" val="0"/>
-              </a:ext>
-            </a:extLst>
-          </a:blip>
-          <a:stretch>
-            <a:fillRect/>
-          </a:stretch>
-        </p:blipFill>
-        <p:spPr>
-          <a:xfrm>
-            <a:off x="6619404" y="391620"/>
-            <a:ext cx="952119" cy="2026074"/>
-          </a:xfrm>
-          <a:prstGeom prst="rect">
-            <a:avLst/>
-          </a:prstGeom>
-        </p:spPr>
-      </p:pic>
-      <p:pic>
-        <p:nvPicPr>
-          <p:cNvPr id="15" name="그림 14"/>
-          <p:cNvPicPr>
-            <a:picLocks noChangeAspect="1"/>
-          </p:cNvPicPr>
-          <p:nvPr/>
-        </p:nvPicPr>
-        <p:blipFill>
-          <a:blip r:embed="rId12">
-            <a:extLst>
-              <a:ext uri="{28A0092B-C50C-407E-A947-70E740481C1C}">
-                <a14:useLocalDpi xmlns:a14="http://schemas.microsoft.com/office/drawing/2010/main" val="0"/>
-              </a:ext>
-            </a:extLst>
-          </a:blip>
-          <a:stretch>
-            <a:fillRect/>
-          </a:stretch>
-        </p:blipFill>
-        <p:spPr>
-          <a:xfrm>
-            <a:off x="5435267" y="391620"/>
-            <a:ext cx="901432" cy="2055817"/>
-          </a:xfrm>
-          <a:prstGeom prst="rect">
-            <a:avLst/>
-          </a:prstGeom>
-        </p:spPr>
-      </p:pic>
-      <p:pic>
-        <p:nvPicPr>
-          <p:cNvPr id="16" name="그림 15"/>
-          <p:cNvPicPr>
-            <a:picLocks noChangeAspect="1"/>
-          </p:cNvPicPr>
-          <p:nvPr/>
-        </p:nvPicPr>
-        <p:blipFill>
-          <a:blip r:embed="rId13">
-            <a:extLst>
-              <a:ext uri="{28A0092B-C50C-407E-A947-70E740481C1C}">
-                <a14:useLocalDpi xmlns:a14="http://schemas.microsoft.com/office/drawing/2010/main" val="0"/>
-              </a:ext>
-            </a:extLst>
-          </a:blip>
-          <a:stretch>
-            <a:fillRect/>
-          </a:stretch>
-        </p:blipFill>
-        <p:spPr>
-          <a:xfrm>
-            <a:off x="4328956" y="391620"/>
-            <a:ext cx="889399" cy="2028375"/>
-          </a:xfrm>
-          <a:prstGeom prst="rect">
-            <a:avLst/>
-          </a:prstGeom>
-        </p:spPr>
-      </p:pic>
+          </p:spPr>
+        </p:pic>
+      </p:grpSp>
     </p:spTree>
     <p:extLst>
       <p:ext uri="{BB962C8B-B14F-4D97-AF65-F5344CB8AC3E}">
-        <p14:creationId xmlns:p14="http://schemas.microsoft.com/office/powerpoint/2010/main" val="607387823"/>
+        <p14:creationId xmlns:p14="http://schemas.microsoft.com/office/powerpoint/2010/main" val="1947742333"/>
       </p:ext>
     </p:extLst>
   </p:cSld>
@@ -5149,20 +5392,6 @@
 <file path=ppt/slides/slide7.xml><?xml version="1.0" encoding="utf-8"?>
 <p:sld xmlns:a="http://schemas.openxmlformats.org/drawingml/2006/main" xmlns:r="http://schemas.openxmlformats.org/officeDocument/2006/relationships" xmlns:p="http://schemas.openxmlformats.org/presentationml/2006/main">
   <p:cSld>
-    <p:bg>
-      <p:bgPr>
-        <a:blipFill dpi="0" rotWithShape="1">
-          <a:blip r:embed="rId2">
-            <a:lum/>
-          </a:blip>
-          <a:srcRect/>
-          <a:stretch>
-            <a:fillRect/>
-          </a:stretch>
-        </a:blipFill>
-        <a:effectLst/>
-      </p:bgPr>
-    </p:bg>
     <p:spTree>
       <p:nvGrpSpPr>
         <p:cNvPr id="1" name=""/>
@@ -5177,30 +5406,289 @@
           <a:chExt cx="0" cy="0"/>
         </a:xfrm>
       </p:grpSpPr>
+      <p:sp>
+        <p:nvSpPr>
+          <p:cNvPr id="2" name="TextBox 1"/>
+          <p:cNvSpPr txBox="1"/>
+          <p:nvPr/>
+        </p:nvSpPr>
+        <p:spPr>
+          <a:xfrm>
+            <a:off x="218693" y="210060"/>
+            <a:ext cx="1980029" cy="630942"/>
+          </a:xfrm>
+          <a:prstGeom prst="rect">
+            <a:avLst/>
+          </a:prstGeom>
+          <a:noFill/>
+        </p:spPr>
+        <p:txBody>
+          <a:bodyPr wrap="none" rtlCol="0">
+            <a:spAutoFit/>
+          </a:bodyPr>
+          <a:lstStyle/>
+          <a:p>
+            <a:r>
+              <a:rPr kumimoji="1" lang="ko-KR" altLang="en-US" sz="3500" dirty="0">
+                <a:solidFill>
+                  <a:srgbClr val="768149"/>
+                </a:solidFill>
+                <a:latin typeface="Giddyup Std" charset="0"/>
+                <a:ea typeface="Giddyup Std" charset="0"/>
+                <a:cs typeface="Giddyup Std" charset="0"/>
+              </a:rPr>
+              <a:t>문제정의</a:t>
+            </a:r>
+          </a:p>
+        </p:txBody>
+      </p:sp>
       <p:pic>
         <p:nvPicPr>
-          <p:cNvPr id="4" name="그림 3"/>
+          <p:cNvPr id="3" name="그림 2"/>
+          <p:cNvPicPr>
+            <a:picLocks noChangeAspect="1"/>
+          </p:cNvPicPr>
+          <p:nvPr/>
+        </p:nvPicPr>
+        <p:blipFill rotWithShape="1">
+          <a:blip r:embed="rId2">
+            <a:extLst>
+              <a:ext uri="{28A0092B-C50C-407E-A947-70E740481C1C}">
+                <a14:useLocalDpi xmlns:a14="http://schemas.microsoft.com/office/drawing/2010/main" val="0"/>
+              </a:ext>
+            </a:extLst>
+          </a:blip>
+          <a:srcRect l="33502" t="10173" r="38215" b="35672"/>
+          <a:stretch/>
+        </p:blipFill>
+        <p:spPr>
+          <a:xfrm rot="1103447">
+            <a:off x="1946095" y="179265"/>
+            <a:ext cx="699686" cy="753829"/>
+          </a:xfrm>
+          <a:prstGeom prst="rect">
+            <a:avLst/>
+          </a:prstGeom>
+        </p:spPr>
+      </p:pic>
+      <p:sp>
+        <p:nvSpPr>
+          <p:cNvPr id="4" name="TextBox 3"/>
+          <p:cNvSpPr txBox="1"/>
+          <p:nvPr/>
+        </p:nvSpPr>
+        <p:spPr>
+          <a:xfrm>
+            <a:off x="2746829" y="701052"/>
+            <a:ext cx="5686172" cy="646331"/>
+          </a:xfrm>
+          <a:prstGeom prst="rect">
+            <a:avLst/>
+          </a:prstGeom>
+          <a:noFill/>
+        </p:spPr>
+        <p:txBody>
+          <a:bodyPr wrap="none" rtlCol="0">
+            <a:spAutoFit/>
+          </a:bodyPr>
+          <a:lstStyle/>
+          <a:p>
+            <a:r>
+              <a:rPr kumimoji="1" lang="ko-KR" altLang="en-US" dirty="0">
+                <a:solidFill>
+                  <a:srgbClr val="659859"/>
+                </a:solidFill>
+                <a:latin typeface="Nanum Gothic" charset="-127"/>
+                <a:ea typeface="Nanum Gothic" charset="-127"/>
+                <a:cs typeface="Nanum Gothic" charset="-127"/>
+              </a:rPr>
+              <a:t>실제로도 달지않은 귤들은 버려 지기 까지 하는 귤들 </a:t>
+            </a:r>
+            <a:endParaRPr kumimoji="1" lang="en-US" altLang="ko-KR" dirty="0">
+              <a:solidFill>
+                <a:srgbClr val="659859"/>
+              </a:solidFill>
+              <a:latin typeface="Nanum Gothic" charset="-127"/>
+              <a:ea typeface="Nanum Gothic" charset="-127"/>
+              <a:cs typeface="Nanum Gothic" charset="-127"/>
+            </a:endParaRPr>
+          </a:p>
+          <a:p>
+            <a:r>
+              <a:rPr kumimoji="1" lang="ko-KR" altLang="en-US" dirty="0">
+                <a:solidFill>
+                  <a:srgbClr val="659859"/>
+                </a:solidFill>
+                <a:latin typeface="Nanum Gothic" charset="-127"/>
+                <a:ea typeface="Nanum Gothic" charset="-127"/>
+                <a:cs typeface="Nanum Gothic" charset="-127"/>
+              </a:rPr>
+              <a:t>그리고 가공용 감귤까지도 폐기수순을 받고있는 상황</a:t>
+            </a:r>
+          </a:p>
+        </p:txBody>
+      </p:sp>
+      <p:pic>
+        <p:nvPicPr>
+          <p:cNvPr id="6" name="그림 5">
+            <a:extLst>
+              <a:ext uri="{FF2B5EF4-FFF2-40B4-BE49-F238E27FC236}">
+                <a16:creationId xmlns:a16="http://schemas.microsoft.com/office/drawing/2014/main" id="{899DC6FC-CFB6-4398-ABF3-FFB5EC4D9A2C}"/>
+              </a:ext>
+            </a:extLst>
+          </p:cNvPr>
           <p:cNvPicPr>
             <a:picLocks noChangeAspect="1"/>
           </p:cNvPicPr>
           <p:nvPr/>
         </p:nvPicPr>
         <p:blipFill>
-          <a:blip r:embed="rId3">
+          <a:blip r:embed="rId3"/>
+          <a:stretch>
+            <a:fillRect/>
+          </a:stretch>
+        </p:blipFill>
+        <p:spPr>
+          <a:xfrm>
+            <a:off x="359780" y="1449040"/>
+            <a:ext cx="5726708" cy="4827473"/>
+          </a:xfrm>
+          <a:prstGeom prst="rect">
+            <a:avLst/>
+          </a:prstGeom>
+        </p:spPr>
+      </p:pic>
+      <p:pic>
+        <p:nvPicPr>
+          <p:cNvPr id="8" name="그림 7">
+            <a:extLst>
+              <a:ext uri="{FF2B5EF4-FFF2-40B4-BE49-F238E27FC236}">
+                <a16:creationId xmlns:a16="http://schemas.microsoft.com/office/drawing/2014/main" id="{210D4040-DEF4-4369-8024-3F6B8936917B}"/>
+              </a:ext>
+            </a:extLst>
+          </p:cNvPr>
+          <p:cNvPicPr>
+            <a:picLocks noChangeAspect="1"/>
+          </p:cNvPicPr>
+          <p:nvPr/>
+        </p:nvPicPr>
+        <p:blipFill>
+          <a:blip r:embed="rId4"/>
+          <a:stretch>
+            <a:fillRect/>
+          </a:stretch>
+        </p:blipFill>
+        <p:spPr>
+          <a:xfrm>
+            <a:off x="6105513" y="1449040"/>
+            <a:ext cx="5605224" cy="4827473"/>
+          </a:xfrm>
+          <a:prstGeom prst="rect">
+            <a:avLst/>
+          </a:prstGeom>
+        </p:spPr>
+      </p:pic>
+    </p:spTree>
+    <p:extLst>
+      <p:ext uri="{BB962C8B-B14F-4D97-AF65-F5344CB8AC3E}">
+        <p14:creationId xmlns:p14="http://schemas.microsoft.com/office/powerpoint/2010/main" val="4117246961"/>
+      </p:ext>
+    </p:extLst>
+  </p:cSld>
+  <p:clrMapOvr>
+    <a:masterClrMapping/>
+  </p:clrMapOvr>
+  <mc:AlternateContent xmlns:mc="http://schemas.openxmlformats.org/markup-compatibility/2006" xmlns:p14="http://schemas.microsoft.com/office/powerpoint/2010/main">
+    <mc:Choice Requires="p14">
+      <p:transition spd="med" p14:dur="700">
+        <p:fade/>
+      </p:transition>
+    </mc:Choice>
+    <mc:Fallback xmlns="">
+      <p:transition spd="med">
+        <p:fade/>
+      </p:transition>
+    </mc:Fallback>
+  </mc:AlternateContent>
+</p:sld>
+</file>
+
+<file path=ppt/slides/slide8.xml><?xml version="1.0" encoding="utf-8"?>
+<p:sld xmlns:a="http://schemas.openxmlformats.org/drawingml/2006/main" xmlns:r="http://schemas.openxmlformats.org/officeDocument/2006/relationships" xmlns:p="http://schemas.openxmlformats.org/presentationml/2006/main">
+  <p:cSld>
+    <p:spTree>
+      <p:nvGrpSpPr>
+        <p:cNvPr id="1" name=""/>
+        <p:cNvGrpSpPr/>
+        <p:nvPr/>
+      </p:nvGrpSpPr>
+      <p:grpSpPr>
+        <a:xfrm>
+          <a:off x="0" y="0"/>
+          <a:ext cx="0" cy="0"/>
+          <a:chOff x="0" y="0"/>
+          <a:chExt cx="0" cy="0"/>
+        </a:xfrm>
+      </p:grpSpPr>
+      <p:sp>
+        <p:nvSpPr>
+          <p:cNvPr id="2" name="TextBox 1"/>
+          <p:cNvSpPr txBox="1"/>
+          <p:nvPr/>
+        </p:nvSpPr>
+        <p:spPr>
+          <a:xfrm>
+            <a:off x="218693" y="210060"/>
+            <a:ext cx="1980029" cy="630942"/>
+          </a:xfrm>
+          <a:prstGeom prst="rect">
+            <a:avLst/>
+          </a:prstGeom>
+          <a:noFill/>
+        </p:spPr>
+        <p:txBody>
+          <a:bodyPr wrap="none" rtlCol="0">
+            <a:spAutoFit/>
+          </a:bodyPr>
+          <a:lstStyle/>
+          <a:p>
+            <a:r>
+              <a:rPr kumimoji="1" lang="ko-KR" altLang="en-US" sz="3500" dirty="0">
+                <a:solidFill>
+                  <a:srgbClr val="768149"/>
+                </a:solidFill>
+                <a:latin typeface="Giddyup Std" charset="0"/>
+                <a:ea typeface="Giddyup Std" charset="0"/>
+                <a:cs typeface="Giddyup Std" charset="0"/>
+              </a:rPr>
+              <a:t>문제정의</a:t>
+            </a:r>
+          </a:p>
+        </p:txBody>
+      </p:sp>
+      <p:pic>
+        <p:nvPicPr>
+          <p:cNvPr id="3" name="그림 2"/>
+          <p:cNvPicPr>
+            <a:picLocks noChangeAspect="1"/>
+          </p:cNvPicPr>
+          <p:nvPr/>
+        </p:nvPicPr>
+        <p:blipFill rotWithShape="1">
+          <a:blip r:embed="rId2">
             <a:extLst>
               <a:ext uri="{28A0092B-C50C-407E-A947-70E740481C1C}">
                 <a14:useLocalDpi xmlns:a14="http://schemas.microsoft.com/office/drawing/2010/main" val="0"/>
               </a:ext>
             </a:extLst>
           </a:blip>
-          <a:stretch>
-            <a:fillRect/>
-          </a:stretch>
+          <a:srcRect l="33502" t="10173" r="38215" b="35672"/>
+          <a:stretch/>
         </p:blipFill>
         <p:spPr>
-          <a:xfrm>
-            <a:off x="4162855" y="1637221"/>
-            <a:ext cx="4080272" cy="3519995"/>
+          <a:xfrm rot="1103447">
+            <a:off x="1946095" y="179265"/>
+            <a:ext cx="699686" cy="753829"/>
           </a:xfrm>
           <a:prstGeom prst="rect">
             <a:avLst/>
@@ -5209,14 +5697,14 @@
       </p:pic>
       <p:sp>
         <p:nvSpPr>
-          <p:cNvPr id="2" name="TextBox 1"/>
+          <p:cNvPr id="4" name="TextBox 3"/>
           <p:cNvSpPr txBox="1"/>
           <p:nvPr/>
         </p:nvSpPr>
         <p:spPr>
           <a:xfrm>
-            <a:off x="5041455" y="2280668"/>
-            <a:ext cx="2323072" cy="2554545"/>
+            <a:off x="327056" y="931160"/>
+            <a:ext cx="4286751" cy="369332"/>
           </a:xfrm>
           <a:prstGeom prst="rect">
             <a:avLst/>
@@ -5230,44 +5718,325 @@
           <a:lstStyle/>
           <a:p>
             <a:r>
-              <a:rPr kumimoji="1" lang="en-US" altLang="ko-KR" sz="8000" dirty="0">
+              <a:rPr kumimoji="1" lang="ko-KR" altLang="en-US" dirty="0">
                 <a:solidFill>
-                  <a:srgbClr val="FFC000"/>
+                  <a:srgbClr val="659859"/>
+                </a:solidFill>
+                <a:latin typeface="Nanum Gothic" charset="-127"/>
+                <a:ea typeface="Nanum Gothic" charset="-127"/>
+                <a:cs typeface="Nanum Gothic" charset="-127"/>
+              </a:rPr>
+              <a:t>제주도 내의 전반적인 문제로 판단되어 </a:t>
+            </a:r>
+          </a:p>
+        </p:txBody>
+      </p:sp>
+    </p:spTree>
+    <p:extLst>
+      <p:ext uri="{BB962C8B-B14F-4D97-AF65-F5344CB8AC3E}">
+        <p14:creationId xmlns:p14="http://schemas.microsoft.com/office/powerpoint/2010/main" val="552676191"/>
+      </p:ext>
+    </p:extLst>
+  </p:cSld>
+  <p:clrMapOvr>
+    <a:masterClrMapping/>
+  </p:clrMapOvr>
+  <mc:AlternateContent xmlns:mc="http://schemas.openxmlformats.org/markup-compatibility/2006" xmlns:p14="http://schemas.microsoft.com/office/powerpoint/2010/main">
+    <mc:Choice Requires="p14">
+      <p:transition spd="med" p14:dur="700">
+        <p:fade/>
+      </p:transition>
+    </mc:Choice>
+    <mc:Fallback xmlns="">
+      <p:transition spd="med">
+        <p:fade/>
+      </p:transition>
+    </mc:Fallback>
+  </mc:AlternateContent>
+</p:sld>
+</file>
+
+<file path=ppt/slides/slide9.xml><?xml version="1.0" encoding="utf-8"?>
+<p:sld xmlns:a="http://schemas.openxmlformats.org/drawingml/2006/main" xmlns:r="http://schemas.openxmlformats.org/officeDocument/2006/relationships" xmlns:p="http://schemas.openxmlformats.org/presentationml/2006/main">
+  <p:cSld>
+    <p:spTree>
+      <p:nvGrpSpPr>
+        <p:cNvPr id="1" name=""/>
+        <p:cNvGrpSpPr/>
+        <p:nvPr/>
+      </p:nvGrpSpPr>
+      <p:grpSpPr>
+        <a:xfrm>
+          <a:off x="0" y="0"/>
+          <a:ext cx="0" cy="0"/>
+          <a:chOff x="0" y="0"/>
+          <a:chExt cx="0" cy="0"/>
+        </a:xfrm>
+      </p:grpSpPr>
+      <p:sp>
+        <p:nvSpPr>
+          <p:cNvPr id="2" name="TextBox 1"/>
+          <p:cNvSpPr txBox="1"/>
+          <p:nvPr/>
+        </p:nvSpPr>
+        <p:spPr>
+          <a:xfrm>
+            <a:off x="218693" y="210060"/>
+            <a:ext cx="1980029" cy="630942"/>
+          </a:xfrm>
+          <a:prstGeom prst="rect">
+            <a:avLst/>
+          </a:prstGeom>
+          <a:noFill/>
+        </p:spPr>
+        <p:txBody>
+          <a:bodyPr wrap="none" rtlCol="0">
+            <a:spAutoFit/>
+          </a:bodyPr>
+          <a:lstStyle/>
+          <a:p>
+            <a:r>
+              <a:rPr kumimoji="1" lang="ko-KR" altLang="en-US" sz="3500" dirty="0">
+                <a:solidFill>
+                  <a:srgbClr val="768149"/>
                 </a:solidFill>
                 <a:latin typeface="Giddyup Std" charset="0"/>
                 <a:ea typeface="Giddyup Std" charset="0"/>
                 <a:cs typeface="Giddyup Std" charset="0"/>
               </a:rPr>
-              <a:t>Thank</a:t>
-            </a:r>
-          </a:p>
-          <a:p>
-            <a:r>
-              <a:rPr kumimoji="1" lang="en-US" altLang="ko-KR" sz="8000" dirty="0">
+              <a:t>문제정의</a:t>
+            </a:r>
+          </a:p>
+        </p:txBody>
+      </p:sp>
+      <p:pic>
+        <p:nvPicPr>
+          <p:cNvPr id="3" name="그림 2"/>
+          <p:cNvPicPr>
+            <a:picLocks noChangeAspect="1"/>
+          </p:cNvPicPr>
+          <p:nvPr/>
+        </p:nvPicPr>
+        <p:blipFill rotWithShape="1">
+          <a:blip r:embed="rId2">
+            <a:extLst>
+              <a:ext uri="{28A0092B-C50C-407E-A947-70E740481C1C}">
+                <a14:useLocalDpi xmlns:a14="http://schemas.microsoft.com/office/drawing/2010/main" val="0"/>
+              </a:ext>
+            </a:extLst>
+          </a:blip>
+          <a:srcRect l="33502" t="10173" r="38215" b="35672"/>
+          <a:stretch/>
+        </p:blipFill>
+        <p:spPr>
+          <a:xfrm rot="1103447">
+            <a:off x="1946095" y="179265"/>
+            <a:ext cx="699686" cy="753829"/>
+          </a:xfrm>
+          <a:prstGeom prst="rect">
+            <a:avLst/>
+          </a:prstGeom>
+        </p:spPr>
+      </p:pic>
+      <p:sp>
+        <p:nvSpPr>
+          <p:cNvPr id="4" name="TextBox 3"/>
+          <p:cNvSpPr txBox="1"/>
+          <p:nvPr/>
+        </p:nvSpPr>
+        <p:spPr>
+          <a:xfrm>
+            <a:off x="327056" y="931160"/>
+            <a:ext cx="2656496" cy="369332"/>
+          </a:xfrm>
+          <a:prstGeom prst="rect">
+            <a:avLst/>
+          </a:prstGeom>
+          <a:noFill/>
+        </p:spPr>
+        <p:txBody>
+          <a:bodyPr wrap="none" rtlCol="0">
+            <a:spAutoFit/>
+          </a:bodyPr>
+          <a:lstStyle/>
+          <a:p>
+            <a:r>
+              <a:rPr kumimoji="1" lang="ko-KR" altLang="en-US" dirty="0">
                 <a:solidFill>
-                  <a:srgbClr val="FFC000"/>
+                  <a:srgbClr val="659859"/>
                 </a:solidFill>
-                <a:latin typeface="Giddyup Std" charset="0"/>
-                <a:ea typeface="Giddyup Std" charset="0"/>
-                <a:cs typeface="Giddyup Std" charset="0"/>
+                <a:latin typeface="Nanum Gothic" charset="-127"/>
+                <a:ea typeface="Nanum Gothic" charset="-127"/>
+                <a:cs typeface="Nanum Gothic" charset="-127"/>
               </a:rPr>
-              <a:t>YOU</a:t>
-            </a:r>
-            <a:endParaRPr kumimoji="1" lang="ko-KR" altLang="en-US" sz="8000" dirty="0">
-              <a:solidFill>
-                <a:srgbClr val="FFC000"/>
-              </a:solidFill>
-              <a:latin typeface="Giddyup Std" charset="0"/>
-              <a:ea typeface="Giddyup Std" charset="0"/>
-              <a:cs typeface="Giddyup Std" charset="0"/>
-            </a:endParaRPr>
+              <a:t>실제 분석할 데이터들은</a:t>
+            </a:r>
+          </a:p>
+        </p:txBody>
+      </p:sp>
+      <p:sp>
+        <p:nvSpPr>
+          <p:cNvPr id="5" name="TextBox 4">
+            <a:extLst>
+              <a:ext uri="{FF2B5EF4-FFF2-40B4-BE49-F238E27FC236}">
+                <a16:creationId xmlns:a16="http://schemas.microsoft.com/office/drawing/2014/main" id="{824F350C-1D33-4567-8392-BE09E98BEAE6}"/>
+              </a:ext>
+            </a:extLst>
+          </p:cNvPr>
+          <p:cNvSpPr txBox="1"/>
+          <p:nvPr/>
+        </p:nvSpPr>
+        <p:spPr>
+          <a:xfrm>
+            <a:off x="327055" y="1422734"/>
+            <a:ext cx="9041533" cy="4708981"/>
+          </a:xfrm>
+          <a:prstGeom prst="rect">
+            <a:avLst/>
+          </a:prstGeom>
+          <a:noFill/>
+        </p:spPr>
+        <p:txBody>
+          <a:bodyPr wrap="square" rtlCol="0">
+            <a:spAutoFit/>
+          </a:bodyPr>
+          <a:lstStyle/>
+          <a:p>
+            <a:r>
+              <a:rPr lang="ko-KR" altLang="en-US" sz="2500" dirty="0"/>
+              <a:t>감귤 생산</a:t>
+            </a:r>
+            <a:endParaRPr lang="en-US" altLang="ko-KR" sz="2500" dirty="0"/>
+          </a:p>
+          <a:p>
+            <a:r>
+              <a:rPr lang="en-US" altLang="ko-KR" sz="2500" dirty="0"/>
+              <a:t> - </a:t>
+            </a:r>
+            <a:r>
+              <a:rPr lang="ko-KR" altLang="en-US" sz="2500" dirty="0"/>
+              <a:t>기온</a:t>
+            </a:r>
+            <a:endParaRPr lang="en-US" altLang="ko-KR" sz="2500" dirty="0"/>
+          </a:p>
+          <a:p>
+            <a:r>
+              <a:rPr lang="ko-KR" altLang="en-US" sz="2500" dirty="0"/>
+              <a:t> </a:t>
+            </a:r>
+            <a:r>
+              <a:rPr lang="en-US" altLang="ko-KR" sz="2500" dirty="0"/>
+              <a:t>- </a:t>
+            </a:r>
+            <a:r>
+              <a:rPr lang="ko-KR" altLang="en-US" sz="2500" dirty="0"/>
+              <a:t>강수량</a:t>
+            </a:r>
+            <a:endParaRPr lang="en-US" altLang="ko-KR" sz="2500" dirty="0"/>
+          </a:p>
+          <a:p>
+            <a:r>
+              <a:rPr lang="en-US" altLang="ko-KR" sz="2500" dirty="0"/>
+              <a:t> - </a:t>
+            </a:r>
+            <a:r>
+              <a:rPr lang="ko-KR" altLang="en-US" sz="2500" dirty="0"/>
+              <a:t>일조량</a:t>
+            </a:r>
+            <a:endParaRPr lang="en-US" altLang="ko-KR" sz="2500" dirty="0"/>
+          </a:p>
+          <a:p>
+            <a:r>
+              <a:rPr lang="en-US" altLang="ko-KR" sz="2500" dirty="0"/>
+              <a:t> - </a:t>
+            </a:r>
+            <a:r>
+              <a:rPr lang="ko-KR" altLang="en-US" sz="2500" dirty="0"/>
+              <a:t>공급면적</a:t>
+            </a:r>
+          </a:p>
+          <a:p>
+            <a:endParaRPr lang="en-US" altLang="ko-KR" sz="2500" dirty="0"/>
+          </a:p>
+          <a:p>
+            <a:r>
+              <a:rPr lang="ko-KR" altLang="en-US" sz="2500" dirty="0"/>
+              <a:t>감귤 유통 구조</a:t>
+            </a:r>
+            <a:endParaRPr lang="en-US" altLang="ko-KR" sz="2500" dirty="0"/>
+          </a:p>
+          <a:p>
+            <a:pPr marL="342900" indent="-342900">
+              <a:buFontTx/>
+              <a:buChar char="-"/>
+            </a:pPr>
+            <a:r>
+              <a:rPr lang="ko-KR" altLang="en-US" sz="2500" dirty="0"/>
+              <a:t>생산자 → 산지조합 → 도매상 → 대형유통업체 → 소비자</a:t>
+            </a:r>
+            <a:endParaRPr lang="en-US" altLang="ko-KR" sz="2500" dirty="0"/>
+          </a:p>
+          <a:p>
+            <a:pPr marL="342900" indent="-342900">
+              <a:buFontTx/>
+              <a:buChar char="-"/>
+            </a:pPr>
+            <a:r>
+              <a:rPr lang="ko-KR" altLang="en-US" sz="2500" dirty="0"/>
+              <a:t>생산자 → 산지유통인 → 도매상 → 소매상 → 소비자 </a:t>
+            </a:r>
+            <a:endParaRPr lang="en-US" altLang="ko-KR" sz="2500" dirty="0"/>
+          </a:p>
+          <a:p>
+            <a:pPr marL="342900" indent="-342900">
+              <a:buFontTx/>
+              <a:buChar char="-"/>
+            </a:pPr>
+            <a:r>
+              <a:rPr lang="ko-KR" altLang="en-US" sz="2500" dirty="0"/>
+              <a:t>생산자 → 산지조합→ 대형유통업체 → 소비자</a:t>
+            </a:r>
+            <a:endParaRPr lang="en-US" altLang="ko-KR" sz="2500" dirty="0"/>
+          </a:p>
+          <a:p>
+            <a:pPr marL="342900" indent="-342900">
+              <a:buFontTx/>
+              <a:buChar char="-"/>
+            </a:pPr>
+            <a:r>
+              <a:rPr lang="ko-KR" altLang="en-US" sz="2500" dirty="0"/>
+              <a:t>생산자 → 가공공장 → 소비자</a:t>
+            </a:r>
+            <a:endParaRPr lang="en-US" altLang="ko-KR" sz="2500" dirty="0"/>
+          </a:p>
+          <a:p>
+            <a:pPr marL="342900" indent="-342900">
+              <a:buFontTx/>
+              <a:buChar char="-"/>
+            </a:pPr>
+            <a:r>
+              <a:rPr lang="ko-KR" altLang="en-US" sz="2500" dirty="0"/>
+              <a:t>생산자 → 소비자 </a:t>
+            </a:r>
+            <a:r>
+              <a:rPr lang="en-US" altLang="ko-KR" sz="2500" dirty="0"/>
+              <a:t>(</a:t>
+            </a:r>
+            <a:r>
+              <a:rPr lang="ko-KR" altLang="en-US" sz="2500" dirty="0"/>
+              <a:t>산지 직거래</a:t>
+            </a:r>
+            <a:r>
+              <a:rPr lang="en-US" altLang="ko-KR" sz="2500" dirty="0"/>
+              <a:t>)</a:t>
+            </a:r>
           </a:p>
         </p:txBody>
       </p:sp>
     </p:spTree>
     <p:extLst>
       <p:ext uri="{BB962C8B-B14F-4D97-AF65-F5344CB8AC3E}">
-        <p14:creationId xmlns:p14="http://schemas.microsoft.com/office/powerpoint/2010/main" val="35825468"/>
+        <p14:creationId xmlns:p14="http://schemas.microsoft.com/office/powerpoint/2010/main" val="3683311441"/>
       </p:ext>
     </p:extLst>
   </p:cSld>
